--- a/kickoff/wp3-eu-summary.pptx
+++ b/kickoff/wp3-eu-summary.pptx
@@ -5,17 +5,16 @@
     <p:sldMasterId id="2147483648" r:id="rId1"/>
   </p:sldMasterIdLst>
   <p:notesMasterIdLst>
-    <p:notesMasterId r:id="rId7"/>
+    <p:notesMasterId r:id="rId6"/>
   </p:notesMasterIdLst>
   <p:handoutMasterIdLst>
-    <p:handoutMasterId r:id="rId8"/>
+    <p:handoutMasterId r:id="rId7"/>
   </p:handoutMasterIdLst>
   <p:sldIdLst>
-    <p:sldId id="268" r:id="rId2"/>
-    <p:sldId id="269" r:id="rId3"/>
-    <p:sldId id="270" r:id="rId4"/>
-    <p:sldId id="274" r:id="rId5"/>
-    <p:sldId id="284" r:id="rId6"/>
+    <p:sldId id="285" r:id="rId2"/>
+    <p:sldId id="270" r:id="rId3"/>
+    <p:sldId id="274" r:id="rId4"/>
+    <p:sldId id="284" r:id="rId5"/>
   </p:sldIdLst>
   <p:sldSz cx="13004800" cy="9753600"/>
   <p:notesSz cx="6858000" cy="9144000"/>
@@ -5298,12 +5297,12 @@
       </p:grpSpPr>
       <p:sp>
         <p:nvSpPr>
-          <p:cNvPr id="7" name="Titel 6"/>
+          <p:cNvPr id="2" name="Title 1"/>
           <p:cNvSpPr>
             <a:spLocks noGrp="1"/>
           </p:cNvSpPr>
           <p:nvPr>
-            <p:ph type="title"/>
+            <p:ph type="ctrTitle"/>
           </p:nvPr>
         </p:nvSpPr>
         <p:spPr/>
@@ -5312,172 +5311,64 @@
           <a:lstStyle/>
           <a:p>
             <a:r>
-              <a:rPr lang="en-US" sz="4000" dirty="0" smtClean="0"/>
-              <a:t>WP3 Objectives</a:t>
-            </a:r>
-            <a:endParaRPr lang="en-US" sz="4000" dirty="0"/>
+              <a:rPr lang="en-GB" dirty="0" err="1" smtClean="0"/>
+              <a:t>Middlebox</a:t>
+            </a:r>
+            <a:r>
+              <a:rPr lang="en-GB" dirty="0" smtClean="0"/>
+              <a:t> Cooperation</a:t>
+            </a:r>
+            <a:endParaRPr lang="en-US" dirty="0"/>
           </a:p>
         </p:txBody>
       </p:sp>
       <p:sp>
         <p:nvSpPr>
-          <p:cNvPr id="8" name="Textplatzhalter 7"/>
+          <p:cNvPr id="3" name="Subtitle 2"/>
           <p:cNvSpPr>
             <a:spLocks noGrp="1"/>
           </p:cNvSpPr>
           <p:nvPr>
-            <p:ph type="body" sz="quarter" idx="13"/>
+            <p:ph type="subTitle" idx="1"/>
           </p:nvPr>
         </p:nvSpPr>
         <p:spPr/>
         <p:txBody>
           <a:bodyPr>
-            <a:normAutofit fontScale="92500" lnSpcReduction="20000"/>
+            <a:noAutofit/>
           </a:bodyPr>
           <a:lstStyle/>
           <a:p>
             <a:r>
-              <a:rPr lang="en-GB" sz="3300" b="1" dirty="0" smtClean="0"/>
-              <a:t>Definition </a:t>
-            </a:r>
-            <a:r>
-              <a:rPr lang="en-GB" sz="3300" b="1" dirty="0"/>
-              <a:t>of use cases and requirements for an architecture for middlebox </a:t>
-            </a:r>
-            <a:r>
-              <a:rPr lang="en-GB" sz="3300" b="1" dirty="0" smtClean="0"/>
-              <a:t>cooperation</a:t>
-            </a:r>
-          </a:p>
-          <a:p>
-            <a:pPr lvl="1"/>
-            <a:r>
-              <a:rPr lang="en-GB" sz="3100" b="1" dirty="0" smtClean="0"/>
-              <a:t>analysing deployment restrictions</a:t>
-            </a:r>
-          </a:p>
-          <a:p>
-            <a:pPr lvl="1"/>
-            <a:r>
-              <a:rPr lang="en-GB" sz="3100" b="1" dirty="0" smtClean="0"/>
-              <a:t>incentives </a:t>
-            </a:r>
-            <a:r>
-              <a:rPr lang="en-GB" sz="3100" b="1" dirty="0"/>
-              <a:t>for a middlebox cooperation protocol</a:t>
-            </a:r>
-          </a:p>
-          <a:p>
-            <a:r>
-              <a:rPr lang="en-GB" sz="3300" dirty="0" smtClean="0"/>
-              <a:t>Design</a:t>
-            </a:r>
-            <a:r>
-              <a:rPr lang="en-GB" sz="3300" dirty="0"/>
-              <a:t>, implementation, and initial testing of the Middlebox Cooperation Protocol (MCP) to provide an </a:t>
-            </a:r>
-            <a:r>
-              <a:rPr lang="en-GB" sz="3300" dirty="0" smtClean="0"/>
-              <a:t>information exchange </a:t>
-            </a:r>
-            <a:r>
-              <a:rPr lang="en-GB" sz="3300" dirty="0"/>
-              <a:t>between end hosts and </a:t>
-            </a:r>
-            <a:r>
-              <a:rPr lang="en-GB" sz="3300" dirty="0" smtClean="0"/>
-              <a:t>middleboxes</a:t>
-            </a:r>
-          </a:p>
-          <a:p>
-            <a:r>
-              <a:rPr lang="en-GB" sz="3300" dirty="0" smtClean="0"/>
-              <a:t>Design </a:t>
-            </a:r>
-            <a:r>
-              <a:rPr lang="en-GB" sz="3300" dirty="0"/>
-              <a:t>of a flexible transport stack to complement the </a:t>
-            </a:r>
-            <a:r>
-              <a:rPr lang="en-GB" sz="3300" dirty="0" smtClean="0"/>
-              <a:t>MCP</a:t>
-            </a:r>
-          </a:p>
-          <a:p>
-            <a:r>
-              <a:rPr lang="en-GB" sz="3300" b="1" dirty="0" smtClean="0"/>
-              <a:t>Threat and trust analysis of the developed protocols, protocol extensions and transport layer mechanisms as a basis for Internet-scale deployment</a:t>
-            </a:r>
-          </a:p>
-          <a:p>
-            <a:endParaRPr lang="en-US" dirty="0"/>
-          </a:p>
-        </p:txBody>
-      </p:sp>
-      <p:sp>
-        <p:nvSpPr>
-          <p:cNvPr id="4" name="Datumsplatzhalter 3"/>
-          <p:cNvSpPr>
-            <a:spLocks noGrp="1"/>
-          </p:cNvSpPr>
-          <p:nvPr>
-            <p:ph type="dt" sz="half" idx="14"/>
-          </p:nvPr>
-        </p:nvSpPr>
-        <p:spPr/>
-        <p:txBody>
-          <a:bodyPr/>
-          <a:lstStyle/>
-          <a:p>
-            <a:fld id="{56C178FB-AD3C-441F-9942-D5F1D5B7084F}" type="datetime1">
-              <a:rPr lang="en-US" smtClean="0"/>
-              <a:t>3/1/2016</a:t>
-            </a:fld>
-            <a:endParaRPr lang="en-US" dirty="0"/>
-          </a:p>
-        </p:txBody>
-      </p:sp>
-      <p:sp>
-        <p:nvSpPr>
-          <p:cNvPr id="5" name="Foliennummernplatzhalter 4"/>
-          <p:cNvSpPr>
-            <a:spLocks noGrp="1"/>
-          </p:cNvSpPr>
-          <p:nvPr>
-            <p:ph type="sldNum" sz="quarter" idx="16"/>
-          </p:nvPr>
-        </p:nvSpPr>
-        <p:spPr/>
-        <p:txBody>
-          <a:bodyPr/>
-          <a:lstStyle/>
-          <a:p>
-            <a:fld id="{CA36C8A0-BAEB-42C3-A2D9-B1F0D6FD294D}" type="slidenum">
-              <a:rPr lang="de-CH" smtClean="0"/>
-              <a:pPr/>
-              <a:t>1</a:t>
-            </a:fld>
-            <a:endParaRPr lang="de-CH" dirty="0" smtClean="0"/>
-          </a:p>
-        </p:txBody>
-      </p:sp>
-      <p:sp>
-        <p:nvSpPr>
-          <p:cNvPr id="9" name="Textplatzhalter 8"/>
-          <p:cNvSpPr>
-            <a:spLocks noGrp="1"/>
-          </p:cNvSpPr>
-          <p:nvPr>
-            <p:ph type="body" sz="quarter" idx="17"/>
-          </p:nvPr>
-        </p:nvSpPr>
-        <p:spPr/>
-        <p:txBody>
-          <a:bodyPr>
-            <a:normAutofit lnSpcReduction="10000"/>
-          </a:bodyPr>
-          <a:lstStyle/>
-          <a:p>
+              <a:rPr lang="en-GB" dirty="0" err="1" smtClean="0"/>
+              <a:t>Gorry</a:t>
+            </a:r>
+            <a:r>
+              <a:rPr lang="en-GB" dirty="0" smtClean="0"/>
+              <a:t> </a:t>
+            </a:r>
+            <a:r>
+              <a:rPr lang="en-GB" dirty="0" err="1" smtClean="0"/>
+              <a:t>Fairhurst</a:t>
+            </a:r>
+            <a:r>
+              <a:rPr lang="en-GB" dirty="0" smtClean="0"/>
+              <a:t> &amp; Iain Learmonth, University of Aberdeen, WP3 Lead</a:t>
+            </a:r>
+          </a:p>
+          <a:p>
+            <a:r>
+              <a:rPr lang="en-GB" dirty="0" smtClean="0"/>
+              <a:t>3</a:t>
+            </a:r>
+            <a:r>
+              <a:rPr lang="en-GB" baseline="30000" dirty="0" smtClean="0"/>
+              <a:t>rd</a:t>
+            </a:r>
+            <a:r>
+              <a:rPr lang="en-GB" dirty="0" smtClean="0"/>
+              <a:t> March 2016</a:t>
+            </a:r>
             <a:endParaRPr lang="en-US" dirty="0"/>
           </a:p>
         </p:txBody>
@@ -5485,7 +5376,7 @@
     </p:spTree>
     <p:extLst>
       <p:ext uri="{BB962C8B-B14F-4D97-AF65-F5344CB8AC3E}">
-        <p14:creationId xmlns:p14="http://schemas.microsoft.com/office/powerpoint/2010/main" val="1524336805"/>
+        <p14:creationId xmlns:p14="http://schemas.microsoft.com/office/powerpoint/2010/main" val="3937378751"/>
       </p:ext>
     </p:extLst>
   </p:cSld>
@@ -5493,13 +5384,6 @@
     <a:masterClrMapping/>
   </p:clrMapOvr>
   <p:transition spd="med"/>
-  <p:timing>
-    <p:tnLst>
-      <p:par>
-        <p:cTn id="1" dur="indefinite" restart="never" nodeType="tmRoot"/>
-      </p:par>
-    </p:tnLst>
-  </p:timing>
 </p:sld>
 </file>
 
@@ -5537,9 +5421,34 @@
           <a:p>
             <a:r>
               <a:rPr lang="en-GB" sz="4000" dirty="0" smtClean="0"/>
-              <a:t>WP3 Tasks Overview</a:t>
-            </a:r>
-            <a:endParaRPr lang="en-GB" sz="4000" dirty="0"/>
+              <a:t>T3.1: </a:t>
+            </a:r>
+            <a:r>
+              <a:rPr lang="en-GB" sz="4000" dirty="0"/>
+              <a:t>Use Case Analysis and Requirement Definition (M1 - M6</a:t>
+            </a:r>
+            <a:r>
+              <a:rPr lang="en-GB" sz="4000" dirty="0" smtClean="0"/>
+              <a:t>)</a:t>
+            </a:r>
+            <a:br>
+              <a:rPr lang="en-GB" sz="4000" dirty="0" smtClean="0"/>
+            </a:br>
+            <a:r>
+              <a:rPr lang="en-GB" sz="2800" b="0" i="1" dirty="0"/>
+              <a:t>Participants: ETH, TID, ZHAW, ALU</a:t>
+            </a:r>
+            <a:br>
+              <a:rPr lang="en-GB" sz="2800" b="0" i="1" dirty="0"/>
+            </a:br>
+            <a:r>
+              <a:rPr lang="en-GB" sz="4000" dirty="0"/>
+              <a:t/>
+            </a:r>
+            <a:br>
+              <a:rPr lang="en-GB" sz="4000" dirty="0"/>
+            </a:br>
+            <a:endParaRPr lang="en-GB" dirty="0"/>
           </a:p>
         </p:txBody>
       </p:sp>
@@ -5555,90 +5464,135 @@
         </p:nvSpPr>
         <p:spPr/>
         <p:txBody>
-          <a:bodyPr/>
+          <a:bodyPr>
+            <a:normAutofit fontScale="92500"/>
+          </a:bodyPr>
           <a:lstStyle/>
           <a:p>
             <a:r>
-              <a:rPr lang="en-GB" sz="2400" b="1" dirty="0" smtClean="0"/>
-              <a:t>T3.1</a:t>
-            </a:r>
-            <a:r>
-              <a:rPr lang="en-GB" sz="2400" b="1" dirty="0"/>
-              <a:t>: Use Case Analysis and Requirement </a:t>
-            </a:r>
-            <a:r>
-              <a:rPr lang="en-GB" sz="2400" b="1" dirty="0" smtClean="0"/>
-              <a:t>Definition (M1 - M6)</a:t>
-            </a:r>
-          </a:p>
-          <a:p>
-            <a:r>
-              <a:rPr lang="en-GB" sz="2400" dirty="0" smtClean="0"/>
-              <a:t>T3.2</a:t>
-            </a:r>
-            <a:r>
-              <a:rPr lang="en-GB" sz="2400" dirty="0"/>
-              <a:t>: Design of the </a:t>
-            </a:r>
-            <a:r>
-              <a:rPr lang="en-GB" sz="2400" dirty="0" smtClean="0"/>
-              <a:t>MCP (M7 - M24)</a:t>
-            </a:r>
-          </a:p>
-          <a:p>
-            <a:r>
-              <a:rPr lang="en-GB" sz="2400" dirty="0" smtClean="0"/>
-              <a:t>T3.3</a:t>
-            </a:r>
-            <a:r>
-              <a:rPr lang="en-GB" sz="2400" dirty="0"/>
-              <a:t>: Design of a flexible cooperative transport </a:t>
-            </a:r>
-            <a:r>
-              <a:rPr lang="en-GB" sz="2400" dirty="0" smtClean="0"/>
-              <a:t>layer (M7 - M30)</a:t>
-            </a:r>
-          </a:p>
-          <a:p>
-            <a:r>
-              <a:rPr lang="en-GB" sz="2400" dirty="0" smtClean="0"/>
-              <a:t>T3.4</a:t>
-            </a:r>
-            <a:r>
-              <a:rPr lang="en-GB" sz="2400" dirty="0"/>
-              <a:t>: Implementation and </a:t>
-            </a:r>
-            <a:r>
-              <a:rPr lang="en-GB" sz="2400" dirty="0" smtClean="0"/>
-              <a:t>Testing (M9 - M30)</a:t>
-            </a:r>
-          </a:p>
-          <a:p>
-            <a:r>
-              <a:rPr lang="en-GB" sz="2400" b="1" dirty="0" smtClean="0"/>
-              <a:t>T3.5</a:t>
-            </a:r>
-            <a:r>
-              <a:rPr lang="en-GB" sz="2400" b="1" dirty="0"/>
-              <a:t>: Threat and Trust Analysis for Middlebox </a:t>
-            </a:r>
-            <a:r>
-              <a:rPr lang="en-GB" sz="2400" b="1" dirty="0" smtClean="0"/>
-              <a:t>Cooperation (M1 - M30)</a:t>
-            </a:r>
-            <a:endParaRPr lang="en-GB" sz="2400" b="1" dirty="0"/>
-          </a:p>
-          <a:p>
-            <a:endParaRPr lang="en-GB" dirty="0"/>
-          </a:p>
-          <a:p>
-            <a:endParaRPr lang="en-GB" dirty="0"/>
-          </a:p>
-          <a:p>
-            <a:endParaRPr lang="en-GB" dirty="0"/>
-          </a:p>
-          <a:p>
-            <a:endParaRPr lang="en-GB" dirty="0"/>
+              <a:rPr lang="en-GB" sz="3200" dirty="0" smtClean="0"/>
+              <a:t>Performing a </a:t>
+            </a:r>
+            <a:r>
+              <a:rPr lang="en-GB" sz="3200" dirty="0"/>
+              <a:t>detailed analysis of a set of use cases for </a:t>
+            </a:r>
+            <a:r>
+              <a:rPr lang="en-GB" sz="3200" dirty="0" smtClean="0"/>
+              <a:t>MCP</a:t>
+            </a:r>
+          </a:p>
+          <a:p>
+            <a:r>
+              <a:rPr lang="en-GB" sz="3200" dirty="0" smtClean="0"/>
+              <a:t>Developing the use cases:</a:t>
+            </a:r>
+            <a:endParaRPr lang="en-GB" sz="3200" dirty="0" smtClean="0"/>
+          </a:p>
+          <a:p>
+            <a:pPr lvl="1"/>
+            <a:r>
+              <a:rPr lang="en-GB" sz="3000" dirty="0" smtClean="0"/>
+              <a:t>Low-Latency</a:t>
+            </a:r>
+          </a:p>
+          <a:p>
+            <a:pPr lvl="1"/>
+            <a:r>
+              <a:rPr lang="en-GB" sz="3000" dirty="0" smtClean="0"/>
+              <a:t>Privacy Protection Gateway</a:t>
+            </a:r>
+          </a:p>
+          <a:p>
+            <a:pPr lvl="1"/>
+            <a:r>
+              <a:rPr lang="en-GB" sz="3000" dirty="0" smtClean="0"/>
+              <a:t>Multipath TCP Proxy (may not be implemented)</a:t>
+            </a:r>
+            <a:endParaRPr lang="en-GB" sz="3000" dirty="0" smtClean="0"/>
+          </a:p>
+          <a:p>
+            <a:r>
+              <a:rPr lang="en-GB" sz="3200" dirty="0" smtClean="0"/>
+              <a:t>Contributing </a:t>
+            </a:r>
+            <a:r>
+              <a:rPr lang="en-GB" sz="3200" dirty="0" smtClean="0"/>
+              <a:t>to standards:</a:t>
+            </a:r>
+            <a:endParaRPr lang="en-GB" sz="3200" dirty="0"/>
+          </a:p>
+          <a:p>
+            <a:pPr lvl="1"/>
+            <a:r>
+              <a:rPr lang="en-GB" sz="1800" dirty="0" smtClean="0">
+                <a:hlinkClick r:id="rId2"/>
+              </a:rPr>
+              <a:t>https://tools.ietf.org/html/draft-kuehlewind-spud-use-cases-00</a:t>
+            </a:r>
+            <a:r>
+              <a:rPr lang="en-GB" sz="1800" dirty="0" smtClean="0"/>
+              <a:t> </a:t>
+            </a:r>
+          </a:p>
+          <a:p>
+            <a:pPr lvl="1"/>
+            <a:r>
+              <a:rPr lang="en-GB" sz="1800" dirty="0">
+                <a:hlinkClick r:id="rId3"/>
+              </a:rPr>
+              <a:t>https://tools.ietf.org/html/draft-trammell-spud-req-01</a:t>
+            </a:r>
+            <a:r>
+              <a:rPr lang="en-GB" sz="1800" dirty="0"/>
+              <a:t> </a:t>
+            </a:r>
+            <a:endParaRPr lang="en-GB" sz="1800" dirty="0" smtClean="0"/>
+          </a:p>
+          <a:p>
+            <a:pPr lvl="1"/>
+            <a:r>
+              <a:rPr lang="en-GB" sz="1800" dirty="0">
+                <a:hlinkClick r:id="rId4"/>
+              </a:rPr>
+              <a:t>https://</a:t>
+            </a:r>
+            <a:r>
+              <a:rPr lang="en-GB" sz="1800" dirty="0" smtClean="0">
+                <a:hlinkClick r:id="rId4"/>
+              </a:rPr>
+              <a:t>tools.ietf.org/html/draft-trammell-stackevo-explicit-coop-00</a:t>
+            </a:r>
+            <a:r>
+              <a:rPr lang="en-GB" sz="1800" dirty="0" smtClean="0"/>
+              <a:t> </a:t>
+            </a:r>
+          </a:p>
+          <a:p>
+            <a:r>
+              <a:rPr lang="en-GB" dirty="0" smtClean="0"/>
+              <a:t>The use cases and requirements documents are to be updated </a:t>
+            </a:r>
+            <a:r>
+              <a:rPr lang="en-GB" dirty="0"/>
+              <a:t>in the next weeks (before the IETF </a:t>
+            </a:r>
+            <a:r>
+              <a:rPr lang="en-GB" dirty="0" smtClean="0"/>
+              <a:t>cut-off </a:t>
+            </a:r>
+            <a:r>
+              <a:rPr lang="en-GB" dirty="0"/>
+              <a:t>on Mar </a:t>
+            </a:r>
+            <a:r>
+              <a:rPr lang="en-GB" dirty="0" smtClean="0"/>
+              <a:t>28)</a:t>
+            </a:r>
+            <a:endParaRPr lang="en-GB" dirty="0" smtClean="0"/>
+          </a:p>
+          <a:p>
+            <a:endParaRPr lang="en-GB" dirty="0" smtClean="0"/>
           </a:p>
         </p:txBody>
       </p:sp>
@@ -5657,9 +5611,9 @@
           <a:bodyPr/>
           <a:lstStyle/>
           <a:p>
-            <a:fld id="{C892429F-A889-4137-B515-7EA37AEB6174}" type="datetime1">
+            <a:fld id="{8A88F3E1-7390-42E5-AEEB-C4CB490EAC39}" type="datetime1">
               <a:rPr lang="en-US" smtClean="0"/>
-              <a:t>3/1/2016</a:t>
+              <a:t>3/2/2016</a:t>
             </a:fld>
             <a:endParaRPr lang="en-US" dirty="0"/>
           </a:p>
@@ -5710,34 +5664,10 @@
           </a:p>
         </p:txBody>
       </p:sp>
-      <p:pic>
-        <p:nvPicPr>
-          <p:cNvPr id="8" name="Picture 7"/>
-          <p:cNvPicPr>
-            <a:picLocks noChangeAspect="1"/>
-          </p:cNvPicPr>
-          <p:nvPr/>
-        </p:nvPicPr>
-        <p:blipFill>
-          <a:blip r:embed="rId2"/>
-          <a:stretch>
-            <a:fillRect/>
-          </a:stretch>
-        </p:blipFill>
-        <p:spPr>
-          <a:xfrm>
-            <a:off x="752390" y="5884913"/>
-            <a:ext cx="11469274" cy="2035670"/>
-          </a:xfrm>
-          <a:prstGeom prst="rect">
-            <a:avLst/>
-          </a:prstGeom>
-        </p:spPr>
-      </p:pic>
     </p:spTree>
     <p:extLst>
       <p:ext uri="{BB962C8B-B14F-4D97-AF65-F5344CB8AC3E}">
-        <p14:creationId xmlns:p14="http://schemas.microsoft.com/office/powerpoint/2010/main" val="3281852348"/>
+        <p14:creationId xmlns:p14="http://schemas.microsoft.com/office/powerpoint/2010/main" val="838531770"/>
       </p:ext>
     </p:extLst>
   </p:cSld>
@@ -5788,26 +5718,22 @@
           <a:lstStyle/>
           <a:p>
             <a:r>
-              <a:rPr lang="en-GB" sz="4000" dirty="0" smtClean="0"/>
-              <a:t>T3.1: </a:t>
-            </a:r>
-            <a:r>
               <a:rPr lang="en-GB" sz="4000" dirty="0"/>
-              <a:t>Use Case Analysis and Requirement Definition (M1 - M6</a:t>
-            </a:r>
-            <a:r>
-              <a:rPr lang="en-GB" sz="4000" dirty="0" smtClean="0"/>
-              <a:t>)</a:t>
+              <a:t>T3.5: Threat and Trust Analysis for Middlebox Cooperation (M1 - M30)</a:t>
             </a:r>
             <a:br>
-              <a:rPr lang="en-GB" sz="4000" dirty="0" smtClean="0"/>
+              <a:rPr lang="en-GB" sz="4000" dirty="0"/>
             </a:br>
             <a:r>
               <a:rPr lang="en-GB" sz="2800" b="0" i="1" dirty="0"/>
-              <a:t>Participants: ETH, TID, ZHAW, ALU</a:t>
+              <a:t>Participants: TID, ALU, ZHAW</a:t>
+            </a:r>
+            <a:r>
+              <a:rPr lang="en-GB" sz="3200" b="0" i="1" dirty="0"/>
+              <a:t/>
             </a:r>
             <a:br>
-              <a:rPr lang="en-GB" sz="2800" b="0" i="1" dirty="0"/>
+              <a:rPr lang="en-GB" sz="3200" b="0" i="1" dirty="0"/>
             </a:br>
             <a:r>
               <a:rPr lang="en-GB" sz="4000" dirty="0"/>
@@ -5838,111 +5764,149 @@
           <a:lstStyle/>
           <a:p>
             <a:r>
-              <a:rPr lang="en-GB" sz="3200" dirty="0" smtClean="0"/>
-              <a:t>Performing a </a:t>
-            </a:r>
-            <a:r>
-              <a:rPr lang="en-GB" sz="3200" dirty="0"/>
-              <a:t>detailed analysis of a set of use cases for </a:t>
-            </a:r>
-            <a:r>
-              <a:rPr lang="en-GB" sz="3200" dirty="0" smtClean="0"/>
-              <a:t>MCP</a:t>
-            </a:r>
-          </a:p>
-          <a:p>
-            <a:r>
-              <a:rPr lang="en-GB" sz="3200" dirty="0" smtClean="0"/>
-              <a:t>Building on the use cases specified in the </a:t>
-            </a:r>
-            <a:r>
-              <a:rPr lang="en-GB" sz="3200" dirty="0" err="1" smtClean="0"/>
-              <a:t>DoW</a:t>
-            </a:r>
-            <a:r>
-              <a:rPr lang="en-GB" sz="3200" dirty="0" smtClean="0"/>
-              <a:t>, e.g.:</a:t>
+              <a:rPr lang="en-GB" dirty="0" smtClean="0">
+                <a:solidFill>
+                  <a:schemeClr val="tx1"/>
+                </a:solidFill>
+              </a:rPr>
+              <a:t>Developing a </a:t>
+            </a:r>
+            <a:r>
+              <a:rPr lang="en-GB" dirty="0">
+                <a:solidFill>
+                  <a:schemeClr val="tx1"/>
+                </a:solidFill>
+              </a:rPr>
+              <a:t>threat model to investigate </a:t>
+            </a:r>
+            <a:r>
+              <a:rPr lang="en-GB" dirty="0" smtClean="0">
+                <a:solidFill>
+                  <a:schemeClr val="tx1"/>
+                </a:solidFill>
+              </a:rPr>
+              <a:t>confidentiality, integrity, authentication and trust issues</a:t>
+            </a:r>
+          </a:p>
+          <a:p>
+            <a:r>
+              <a:rPr lang="en-GB" dirty="0" smtClean="0">
+                <a:solidFill>
+                  <a:schemeClr val="tx1"/>
+                </a:solidFill>
+              </a:rPr>
+              <a:t>Exploring security mechanisms and their applicability:</a:t>
             </a:r>
           </a:p>
           <a:p>
             <a:pPr lvl="1"/>
             <a:r>
-              <a:rPr lang="en-GB" sz="3000" dirty="0" smtClean="0"/>
-              <a:t>Low-Latency</a:t>
+              <a:rPr lang="en-GB" sz="2600" dirty="0" smtClean="0">
+                <a:solidFill>
+                  <a:schemeClr val="tx1"/>
+                </a:solidFill>
+              </a:rPr>
+              <a:t>EFGH – presented at Hot </a:t>
+            </a:r>
+            <a:r>
+              <a:rPr lang="en-GB" sz="2600" dirty="0" err="1" smtClean="0">
+                <a:solidFill>
+                  <a:schemeClr val="tx1"/>
+                </a:solidFill>
+              </a:rPr>
+              <a:t>Middlebox</a:t>
+            </a:r>
+            <a:r>
+              <a:rPr lang="en-GB" sz="2600" dirty="0" smtClean="0">
+                <a:solidFill>
+                  <a:schemeClr val="tx1"/>
+                </a:solidFill>
+              </a:rPr>
+              <a:t> 2015</a:t>
             </a:r>
           </a:p>
           <a:p>
             <a:pPr lvl="1"/>
             <a:r>
-              <a:rPr lang="en-GB" sz="3000" dirty="0" smtClean="0"/>
-              <a:t>Firewall Traversal</a:t>
-            </a:r>
-          </a:p>
-          <a:p>
-            <a:pPr lvl="1"/>
-            <a:r>
-              <a:rPr lang="en-GB" sz="3000" dirty="0" smtClean="0"/>
-              <a:t>State Lifetime Discovery</a:t>
-            </a:r>
-          </a:p>
-          <a:p>
-            <a:r>
-              <a:rPr lang="en-GB" sz="3200" dirty="0" smtClean="0"/>
-              <a:t>Contributing to standards:</a:t>
-            </a:r>
-            <a:endParaRPr lang="en-GB" sz="3200" dirty="0"/>
-          </a:p>
-          <a:p>
-            <a:pPr lvl="1"/>
-            <a:r>
-              <a:rPr lang="en-GB" sz="1800" dirty="0" smtClean="0">
-                <a:hlinkClick r:id="rId2"/>
+              <a:rPr lang="en-GB" sz="2600" dirty="0" smtClean="0">
+                <a:solidFill>
+                  <a:schemeClr val="tx1"/>
+                </a:solidFill>
               </a:rPr>
-              <a:t>https://tools.ietf.org/html/draft-kuehlewind-spud-use-cases-00</a:t>
-            </a:r>
-            <a:r>
-              <a:rPr lang="en-GB" sz="1800" dirty="0" smtClean="0"/>
-              <a:t> </a:t>
-            </a:r>
-          </a:p>
-          <a:p>
-            <a:pPr lvl="1"/>
-            <a:r>
-              <a:rPr lang="en-GB" sz="1800" dirty="0">
-                <a:hlinkClick r:id="rId3"/>
+              <a:t>Multi-Context TLS (</a:t>
+            </a:r>
+            <a:r>
+              <a:rPr lang="en-GB" sz="2600" dirty="0" err="1" smtClean="0">
+                <a:solidFill>
+                  <a:schemeClr val="tx1"/>
+                </a:solidFill>
               </a:rPr>
-              <a:t>https://tools.ietf.org/html/draft-trammell-spud-req-01</a:t>
-            </a:r>
-            <a:r>
-              <a:rPr lang="en-GB" sz="1800" dirty="0"/>
-              <a:t> </a:t>
-            </a:r>
-            <a:endParaRPr lang="en-GB" sz="1800" dirty="0" smtClean="0"/>
-          </a:p>
-          <a:p>
-            <a:pPr lvl="1"/>
-            <a:r>
-              <a:rPr lang="en-GB" sz="1800" dirty="0">
-                <a:hlinkClick r:id="rId4"/>
+              <a:t>mcTLS</a:t>
+            </a:r>
+            <a:r>
+              <a:rPr lang="en-GB" sz="2600" dirty="0" smtClean="0">
+                <a:solidFill>
+                  <a:schemeClr val="tx1"/>
+                </a:solidFill>
               </a:rPr>
-              <a:t>https://</a:t>
-            </a:r>
-            <a:r>
-              <a:rPr lang="en-GB" sz="1800" dirty="0" smtClean="0">
-                <a:hlinkClick r:id="rId4"/>
+              <a:t>) – presented at </a:t>
+            </a:r>
+            <a:r>
+              <a:rPr lang="en-GB" sz="2600" dirty="0" err="1" smtClean="0">
+                <a:solidFill>
+                  <a:schemeClr val="tx1"/>
+                </a:solidFill>
               </a:rPr>
-              <a:t>tools.ietf.org/html/draft-trammell-stackevo-explicit-coop-00</a:t>
-            </a:r>
-            <a:r>
-              <a:rPr lang="en-GB" sz="1800" dirty="0" smtClean="0"/>
-              <a:t> </a:t>
-            </a:r>
-          </a:p>
-          <a:p>
-            <a:endParaRPr lang="en-GB" dirty="0" smtClean="0"/>
-          </a:p>
-          <a:p>
-            <a:endParaRPr lang="en-GB" dirty="0" smtClean="0"/>
+              <a:t>Sigcomm</a:t>
+            </a:r>
+            <a:r>
+              <a:rPr lang="en-GB" sz="2600" dirty="0" smtClean="0">
+                <a:solidFill>
+                  <a:schemeClr val="tx1"/>
+                </a:solidFill>
+              </a:rPr>
+              <a:t> 2015</a:t>
+            </a:r>
+            <a:endParaRPr lang="en-GB" sz="2600" dirty="0">
+              <a:solidFill>
+                <a:schemeClr val="tx1"/>
+              </a:solidFill>
+            </a:endParaRPr>
+          </a:p>
+          <a:p>
+            <a:r>
+              <a:rPr lang="en-GB" dirty="0" smtClean="0">
+                <a:solidFill>
+                  <a:schemeClr val="tx1"/>
+                </a:solidFill>
+              </a:rPr>
+              <a:t>Providing input to D3.1 (M6)</a:t>
+            </a:r>
+          </a:p>
+          <a:p>
+            <a:r>
+              <a:rPr lang="en-GB" dirty="0" smtClean="0">
+                <a:solidFill>
+                  <a:schemeClr val="tx1"/>
+                </a:solidFill>
+              </a:rPr>
+              <a:t>Later, producing </a:t>
+            </a:r>
+            <a:r>
+              <a:rPr lang="en-GB" dirty="0">
+                <a:solidFill>
+                  <a:schemeClr val="tx1"/>
+                </a:solidFill>
+              </a:rPr>
+              <a:t>a security analysis of MCP including an investigation of how hard it will be to subvert</a:t>
+            </a:r>
+          </a:p>
+          <a:p>
+            <a:endParaRPr lang="en-GB" dirty="0">
+              <a:solidFill>
+                <a:schemeClr val="tx1"/>
+              </a:solidFill>
+            </a:endParaRPr>
           </a:p>
         </p:txBody>
       </p:sp>
@@ -5961,7 +5925,7 @@
           <a:bodyPr/>
           <a:lstStyle/>
           <a:p>
-            <a:fld id="{8A88F3E1-7390-42E5-AEEB-C4CB490EAC39}" type="datetime1">
+            <a:fld id="{693C5C7F-7670-486F-AE59-073C6E27B461}" type="datetime1">
               <a:rPr lang="en-US" smtClean="0"/>
               <a:t>3/1/2016</a:t>
             </a:fld>
@@ -6017,7 +5981,7 @@
     </p:spTree>
     <p:extLst>
       <p:ext uri="{BB962C8B-B14F-4D97-AF65-F5344CB8AC3E}">
-        <p14:creationId xmlns:p14="http://schemas.microsoft.com/office/powerpoint/2010/main" val="838531770"/>
+        <p14:creationId xmlns:p14="http://schemas.microsoft.com/office/powerpoint/2010/main" val="2579952280"/>
       </p:ext>
     </p:extLst>
   </p:cSld>
@@ -6068,29 +6032,18 @@
           <a:lstStyle/>
           <a:p>
             <a:r>
-              <a:rPr lang="en-GB" sz="4000" dirty="0"/>
-              <a:t>T3.5: Threat and Trust Analysis for Middlebox Cooperation (M1 - M30)</a:t>
+              <a:rPr lang="en-GB" sz="4000" dirty="0" smtClean="0"/>
+              <a:t>First Deliverable – M6</a:t>
             </a:r>
             <a:br>
-              <a:rPr lang="en-GB" sz="4000" dirty="0"/>
+              <a:rPr lang="en-GB" sz="4000" dirty="0" smtClean="0"/>
             </a:br>
             <a:r>
-              <a:rPr lang="en-GB" sz="2800" b="0" i="1" dirty="0"/>
-              <a:t>Participants: TID, ALU, ZHAW</a:t>
-            </a:r>
-            <a:r>
-              <a:rPr lang="en-GB" sz="3200" b="0" i="1" dirty="0"/>
+              <a:rPr lang="en-GB" dirty="0"/>
               <a:t/>
             </a:r>
             <a:br>
-              <a:rPr lang="en-GB" sz="3200" b="0" i="1" dirty="0"/>
-            </a:br>
-            <a:r>
-              <a:rPr lang="en-GB" sz="4000" dirty="0"/>
-              <a:t/>
-            </a:r>
-            <a:br>
-              <a:rPr lang="en-GB" sz="4000" dirty="0"/>
+              <a:rPr lang="en-GB" dirty="0"/>
             </a:br>
             <a:endParaRPr lang="en-GB" dirty="0"/>
           </a:p>
@@ -6114,149 +6067,39 @@
           <a:lstStyle/>
           <a:p>
             <a:r>
-              <a:rPr lang="en-GB" dirty="0" smtClean="0">
-                <a:solidFill>
-                  <a:schemeClr val="tx1"/>
-                </a:solidFill>
-              </a:rPr>
-              <a:t>Developing a </a:t>
-            </a:r>
-            <a:r>
-              <a:rPr lang="en-GB" dirty="0">
-                <a:solidFill>
-                  <a:schemeClr val="tx1"/>
-                </a:solidFill>
-              </a:rPr>
-              <a:t>threat model to investigate </a:t>
-            </a:r>
-            <a:r>
-              <a:rPr lang="en-GB" dirty="0" smtClean="0">
-                <a:solidFill>
-                  <a:schemeClr val="tx1"/>
-                </a:solidFill>
-              </a:rPr>
-              <a:t>confidentiality, integrity, authentication and trust issues</a:t>
-            </a:r>
-          </a:p>
-          <a:p>
-            <a:r>
-              <a:rPr lang="en-GB" dirty="0" smtClean="0">
-                <a:solidFill>
-                  <a:schemeClr val="tx1"/>
-                </a:solidFill>
-              </a:rPr>
-              <a:t>Exploring security mechanisms and their applicability:</a:t>
+              <a:rPr lang="en-GB" dirty="0" smtClean="0"/>
+              <a:t>D3.1: The </a:t>
+            </a:r>
+            <a:r>
+              <a:rPr lang="en-GB" dirty="0"/>
+              <a:t>final outcome of </a:t>
+            </a:r>
+            <a:r>
+              <a:rPr lang="en-GB" dirty="0" smtClean="0"/>
+              <a:t>T3.1 and interim reporting from T3.5</a:t>
             </a:r>
           </a:p>
           <a:p>
             <a:pPr lvl="1"/>
             <a:r>
-              <a:rPr lang="en-GB" sz="2600" dirty="0" smtClean="0">
-                <a:solidFill>
-                  <a:schemeClr val="tx1"/>
-                </a:solidFill>
-              </a:rPr>
-              <a:t>EFGH – presented at Hot </a:t>
-            </a:r>
-            <a:r>
-              <a:rPr lang="en-GB" sz="2600" dirty="0" err="1" smtClean="0">
-                <a:solidFill>
-                  <a:schemeClr val="tx1"/>
-                </a:solidFill>
-              </a:rPr>
-              <a:t>Middlebox</a:t>
-            </a:r>
-            <a:r>
-              <a:rPr lang="en-GB" sz="2600" dirty="0" smtClean="0">
-                <a:solidFill>
-                  <a:schemeClr val="tx1"/>
-                </a:solidFill>
-              </a:rPr>
-              <a:t> 2015</a:t>
+              <a:rPr lang="en-GB" dirty="0" smtClean="0"/>
+              <a:t>use cases and derived requirements </a:t>
+            </a:r>
+            <a:r>
+              <a:rPr lang="en-GB" dirty="0"/>
+              <a:t>for the protocol </a:t>
+            </a:r>
+            <a:r>
+              <a:rPr lang="en-GB" dirty="0" smtClean="0"/>
+              <a:t>design of the MCP (T3.1)</a:t>
             </a:r>
           </a:p>
           <a:p>
             <a:pPr lvl="1"/>
             <a:r>
-              <a:rPr lang="en-GB" sz="2600" dirty="0" smtClean="0">
-                <a:solidFill>
-                  <a:schemeClr val="tx1"/>
-                </a:solidFill>
-              </a:rPr>
-              <a:t>Multi-Context TLS (</a:t>
-            </a:r>
-            <a:r>
-              <a:rPr lang="en-GB" sz="2600" dirty="0" err="1" smtClean="0">
-                <a:solidFill>
-                  <a:schemeClr val="tx1"/>
-                </a:solidFill>
-              </a:rPr>
-              <a:t>mcTLS</a:t>
-            </a:r>
-            <a:r>
-              <a:rPr lang="en-GB" sz="2600" dirty="0" smtClean="0">
-                <a:solidFill>
-                  <a:schemeClr val="tx1"/>
-                </a:solidFill>
-              </a:rPr>
-              <a:t>) – presented at </a:t>
-            </a:r>
-            <a:r>
-              <a:rPr lang="en-GB" sz="2600" dirty="0" err="1" smtClean="0">
-                <a:solidFill>
-                  <a:schemeClr val="tx1"/>
-                </a:solidFill>
-              </a:rPr>
-              <a:t>Sigcomm</a:t>
-            </a:r>
-            <a:r>
-              <a:rPr lang="en-GB" sz="2600" dirty="0" smtClean="0">
-                <a:solidFill>
-                  <a:schemeClr val="tx1"/>
-                </a:solidFill>
-              </a:rPr>
-              <a:t> 2015</a:t>
-            </a:r>
-            <a:endParaRPr lang="en-GB" sz="2600" dirty="0">
-              <a:solidFill>
-                <a:schemeClr val="tx1"/>
-              </a:solidFill>
-            </a:endParaRPr>
-          </a:p>
-          <a:p>
-            <a:r>
-              <a:rPr lang="en-GB" dirty="0" smtClean="0">
-                <a:solidFill>
-                  <a:schemeClr val="tx1"/>
-                </a:solidFill>
-              </a:rPr>
-              <a:t>Providing input to D3.1 (M6)</a:t>
-            </a:r>
-          </a:p>
-          <a:p>
-            <a:r>
-              <a:rPr lang="en-GB" dirty="0" smtClean="0">
-                <a:solidFill>
-                  <a:schemeClr val="tx1"/>
-                </a:solidFill>
-              </a:rPr>
-              <a:t>Later, producing </a:t>
-            </a:r>
-            <a:r>
-              <a:rPr lang="en-GB" dirty="0">
-                <a:solidFill>
-                  <a:schemeClr val="tx1"/>
-                </a:solidFill>
-              </a:rPr>
-              <a:t>a security analysis of MCP including an investigation of how hard it will be to subvert</a:t>
-            </a:r>
-          </a:p>
-          <a:p>
-            <a:endParaRPr lang="en-GB" dirty="0">
-              <a:solidFill>
-                <a:schemeClr val="tx1"/>
-              </a:solidFill>
-            </a:endParaRPr>
+              <a:rPr lang="en-GB" dirty="0" smtClean="0"/>
+              <a:t>base security requirements for designing MCP (T3.5)</a:t>
+            </a:r>
           </a:p>
         </p:txBody>
       </p:sp>
@@ -6275,7 +6118,7 @@
           <a:bodyPr/>
           <a:lstStyle/>
           <a:p>
-            <a:fld id="{693C5C7F-7670-486F-AE59-073C6E27B461}" type="datetime1">
+            <a:fld id="{9130FF74-4C34-4337-B0A9-B89359C7FF47}" type="datetime1">
               <a:rPr lang="en-US" smtClean="0"/>
               <a:t>3/1/2016</a:t>
             </a:fld>
@@ -6302,199 +6145,6 @@
               <a:rPr lang="de-CH" smtClean="0"/>
               <a:pPr/>
               <a:t>4</a:t>
-            </a:fld>
-            <a:endParaRPr lang="de-CH" dirty="0" smtClean="0"/>
-          </a:p>
-        </p:txBody>
-      </p:sp>
-      <p:sp>
-        <p:nvSpPr>
-          <p:cNvPr id="6" name="Text Placeholder 5"/>
-          <p:cNvSpPr>
-            <a:spLocks noGrp="1"/>
-          </p:cNvSpPr>
-          <p:nvPr>
-            <p:ph type="body" sz="quarter" idx="17"/>
-          </p:nvPr>
-        </p:nvSpPr>
-        <p:spPr/>
-        <p:txBody>
-          <a:bodyPr>
-            <a:normAutofit lnSpcReduction="10000"/>
-          </a:bodyPr>
-          <a:lstStyle/>
-          <a:p>
-            <a:endParaRPr lang="en-GB" dirty="0"/>
-          </a:p>
-        </p:txBody>
-      </p:sp>
-    </p:spTree>
-    <p:extLst>
-      <p:ext uri="{BB962C8B-B14F-4D97-AF65-F5344CB8AC3E}">
-        <p14:creationId xmlns:p14="http://schemas.microsoft.com/office/powerpoint/2010/main" val="2579952280"/>
-      </p:ext>
-    </p:extLst>
-  </p:cSld>
-  <p:clrMapOvr>
-    <a:masterClrMapping/>
-  </p:clrMapOvr>
-  <p:transition spd="med"/>
-  <p:timing>
-    <p:tnLst>
-      <p:par>
-        <p:cTn id="1" dur="indefinite" restart="never" nodeType="tmRoot"/>
-      </p:par>
-    </p:tnLst>
-  </p:timing>
-</p:sld>
-</file>
-
-<file path=ppt/slides/slide5.xml><?xml version="1.0" encoding="utf-8"?>
-<p:sld xmlns:a="http://schemas.openxmlformats.org/drawingml/2006/main" xmlns:r="http://schemas.openxmlformats.org/officeDocument/2006/relationships" xmlns:p="http://schemas.openxmlformats.org/presentationml/2006/main">
-  <p:cSld>
-    <p:spTree>
-      <p:nvGrpSpPr>
-        <p:cNvPr id="1" name=""/>
-        <p:cNvGrpSpPr/>
-        <p:nvPr/>
-      </p:nvGrpSpPr>
-      <p:grpSpPr>
-        <a:xfrm>
-          <a:off x="0" y="0"/>
-          <a:ext cx="0" cy="0"/>
-          <a:chOff x="0" y="0"/>
-          <a:chExt cx="0" cy="0"/>
-        </a:xfrm>
-      </p:grpSpPr>
-      <p:sp>
-        <p:nvSpPr>
-          <p:cNvPr id="2" name="Title 1"/>
-          <p:cNvSpPr>
-            <a:spLocks noGrp="1"/>
-          </p:cNvSpPr>
-          <p:nvPr>
-            <p:ph type="title"/>
-          </p:nvPr>
-        </p:nvSpPr>
-        <p:spPr/>
-        <p:txBody>
-          <a:bodyPr/>
-          <a:lstStyle/>
-          <a:p>
-            <a:r>
-              <a:rPr lang="en-GB" sz="4000" dirty="0" smtClean="0"/>
-              <a:t>First Deliverable – M6</a:t>
-            </a:r>
-            <a:br>
-              <a:rPr lang="en-GB" sz="4000" dirty="0" smtClean="0"/>
-            </a:br>
-            <a:r>
-              <a:rPr lang="en-GB" dirty="0"/>
-              <a:t/>
-            </a:r>
-            <a:br>
-              <a:rPr lang="en-GB" dirty="0"/>
-            </a:br>
-            <a:endParaRPr lang="en-GB" dirty="0"/>
-          </a:p>
-        </p:txBody>
-      </p:sp>
-      <p:sp>
-        <p:nvSpPr>
-          <p:cNvPr id="3" name="Text Placeholder 2"/>
-          <p:cNvSpPr>
-            <a:spLocks noGrp="1"/>
-          </p:cNvSpPr>
-          <p:nvPr>
-            <p:ph type="body" sz="quarter" idx="13"/>
-          </p:nvPr>
-        </p:nvSpPr>
-        <p:spPr/>
-        <p:txBody>
-          <a:bodyPr>
-            <a:normAutofit/>
-          </a:bodyPr>
-          <a:lstStyle/>
-          <a:p>
-            <a:r>
-              <a:rPr lang="en-GB" dirty="0" smtClean="0"/>
-              <a:t>D3.1: The </a:t>
-            </a:r>
-            <a:r>
-              <a:rPr lang="en-GB" dirty="0"/>
-              <a:t>final outcome of </a:t>
-            </a:r>
-            <a:r>
-              <a:rPr lang="en-GB" dirty="0" smtClean="0"/>
-              <a:t>T3.1 and interim reporting from T3.5</a:t>
-            </a:r>
-          </a:p>
-          <a:p>
-            <a:pPr lvl="1"/>
-            <a:r>
-              <a:rPr lang="en-GB" dirty="0" smtClean="0"/>
-              <a:t>use cases and derived requirements </a:t>
-            </a:r>
-            <a:r>
-              <a:rPr lang="en-GB" dirty="0"/>
-              <a:t>for the protocol </a:t>
-            </a:r>
-            <a:r>
-              <a:rPr lang="en-GB" dirty="0" smtClean="0"/>
-              <a:t>design of the MCP (T3.1)</a:t>
-            </a:r>
-          </a:p>
-          <a:p>
-            <a:pPr lvl="1"/>
-            <a:r>
-              <a:rPr lang="en-GB" dirty="0" smtClean="0"/>
-              <a:t>base security requirements for designing MCP (T3.5)</a:t>
-            </a:r>
-          </a:p>
-        </p:txBody>
-      </p:sp>
-      <p:sp>
-        <p:nvSpPr>
-          <p:cNvPr id="4" name="Date Placeholder 3"/>
-          <p:cNvSpPr>
-            <a:spLocks noGrp="1"/>
-          </p:cNvSpPr>
-          <p:nvPr>
-            <p:ph type="dt" sz="half" idx="14"/>
-          </p:nvPr>
-        </p:nvSpPr>
-        <p:spPr/>
-        <p:txBody>
-          <a:bodyPr/>
-          <a:lstStyle/>
-          <a:p>
-            <a:fld id="{9130FF74-4C34-4337-B0A9-B89359C7FF47}" type="datetime1">
-              <a:rPr lang="en-US" smtClean="0"/>
-              <a:t>3/1/2016</a:t>
-            </a:fld>
-            <a:endParaRPr lang="en-US" dirty="0"/>
-          </a:p>
-        </p:txBody>
-      </p:sp>
-      <p:sp>
-        <p:nvSpPr>
-          <p:cNvPr id="5" name="Slide Number Placeholder 4"/>
-          <p:cNvSpPr>
-            <a:spLocks noGrp="1"/>
-          </p:cNvSpPr>
-          <p:nvPr>
-            <p:ph type="sldNum" sz="quarter" idx="16"/>
-          </p:nvPr>
-        </p:nvSpPr>
-        <p:spPr/>
-        <p:txBody>
-          <a:bodyPr/>
-          <a:lstStyle/>
-          <a:p>
-            <a:fld id="{CA36C8A0-BAEB-42C3-A2D9-B1F0D6FD294D}" type="slidenum">
-              <a:rPr lang="de-CH" smtClean="0"/>
-              <a:pPr/>
-              <a:t>5</a:t>
             </a:fld>
             <a:endParaRPr lang="de-CH" dirty="0" smtClean="0"/>
           </a:p>

--- a/kickoff/wp3-eu-summary.pptx
+++ b/kickoff/wp3-eu-summary.pptx
@@ -12,6 +12,7 @@
     <p:sldId id="257" r:id="rId9"/>
     <p:sldId id="258" r:id="rId10"/>
     <p:sldId id="259" r:id="rId11"/>
+    <p:sldId id="260" r:id="rId12"/>
   </p:sldIdLst>
   <p:sldSz cx="13004800" cy="9753600"/>
   <p:notesSz cx="6858000" cy="9144000"/>
@@ -70,10 +71,10 @@
             <a:srgbClr val="000000"/>
           </a:solidFill>
         </a:uFill>
-        <a:latin typeface="Helvetica Neue"/>
-        <a:ea typeface="Helvetica Neue"/>
-        <a:cs typeface="Helvetica Neue"/>
-        <a:sym typeface="Helvetica Neue"/>
+        <a:latin typeface="+mj-lt"/>
+        <a:ea typeface="+mj-ea"/>
+        <a:cs typeface="+mj-cs"/>
+        <a:sym typeface="Arial"/>
       </a:defRPr>
     </a:lvl1pPr>
     <a:lvl2pPr marL="0" marR="0" indent="0" algn="l" defTabSz="1295400" rtl="0" fontAlgn="auto" latinLnBrk="0" hangingPunct="0">
@@ -104,10 +105,10 @@
             <a:srgbClr val="000000"/>
           </a:solidFill>
         </a:uFill>
-        <a:latin typeface="Helvetica Neue"/>
-        <a:ea typeface="Helvetica Neue"/>
-        <a:cs typeface="Helvetica Neue"/>
-        <a:sym typeface="Helvetica Neue"/>
+        <a:latin typeface="+mj-lt"/>
+        <a:ea typeface="+mj-ea"/>
+        <a:cs typeface="+mj-cs"/>
+        <a:sym typeface="Arial"/>
       </a:defRPr>
     </a:lvl2pPr>
     <a:lvl3pPr marL="0" marR="0" indent="0" algn="l" defTabSz="1295400" rtl="0" fontAlgn="auto" latinLnBrk="0" hangingPunct="0">
@@ -138,10 +139,10 @@
             <a:srgbClr val="000000"/>
           </a:solidFill>
         </a:uFill>
-        <a:latin typeface="Helvetica Neue"/>
-        <a:ea typeface="Helvetica Neue"/>
-        <a:cs typeface="Helvetica Neue"/>
-        <a:sym typeface="Helvetica Neue"/>
+        <a:latin typeface="+mj-lt"/>
+        <a:ea typeface="+mj-ea"/>
+        <a:cs typeface="+mj-cs"/>
+        <a:sym typeface="Arial"/>
       </a:defRPr>
     </a:lvl3pPr>
     <a:lvl4pPr marL="0" marR="0" indent="0" algn="l" defTabSz="1295400" rtl="0" fontAlgn="auto" latinLnBrk="0" hangingPunct="0">
@@ -172,10 +173,10 @@
             <a:srgbClr val="000000"/>
           </a:solidFill>
         </a:uFill>
-        <a:latin typeface="Helvetica Neue"/>
-        <a:ea typeface="Helvetica Neue"/>
-        <a:cs typeface="Helvetica Neue"/>
-        <a:sym typeface="Helvetica Neue"/>
+        <a:latin typeface="+mj-lt"/>
+        <a:ea typeface="+mj-ea"/>
+        <a:cs typeface="+mj-cs"/>
+        <a:sym typeface="Arial"/>
       </a:defRPr>
     </a:lvl4pPr>
     <a:lvl5pPr marL="0" marR="0" indent="0" algn="l" defTabSz="1295400" rtl="0" fontAlgn="auto" latinLnBrk="0" hangingPunct="0">
@@ -206,10 +207,10 @@
             <a:srgbClr val="000000"/>
           </a:solidFill>
         </a:uFill>
-        <a:latin typeface="Helvetica Neue"/>
-        <a:ea typeface="Helvetica Neue"/>
-        <a:cs typeface="Helvetica Neue"/>
-        <a:sym typeface="Helvetica Neue"/>
+        <a:latin typeface="+mj-lt"/>
+        <a:ea typeface="+mj-ea"/>
+        <a:cs typeface="+mj-cs"/>
+        <a:sym typeface="Arial"/>
       </a:defRPr>
     </a:lvl5pPr>
     <a:lvl6pPr marL="0" marR="0" indent="0" algn="l" defTabSz="1295400" rtl="0" fontAlgn="auto" latinLnBrk="0" hangingPunct="0">
@@ -240,10 +241,10 @@
             <a:srgbClr val="000000"/>
           </a:solidFill>
         </a:uFill>
-        <a:latin typeface="Helvetica Neue"/>
-        <a:ea typeface="Helvetica Neue"/>
-        <a:cs typeface="Helvetica Neue"/>
-        <a:sym typeface="Helvetica Neue"/>
+        <a:latin typeface="+mj-lt"/>
+        <a:ea typeface="+mj-ea"/>
+        <a:cs typeface="+mj-cs"/>
+        <a:sym typeface="Arial"/>
       </a:defRPr>
     </a:lvl6pPr>
     <a:lvl7pPr marL="0" marR="0" indent="0" algn="l" defTabSz="1295400" rtl="0" fontAlgn="auto" latinLnBrk="0" hangingPunct="0">
@@ -274,10 +275,10 @@
             <a:srgbClr val="000000"/>
           </a:solidFill>
         </a:uFill>
-        <a:latin typeface="Helvetica Neue"/>
-        <a:ea typeface="Helvetica Neue"/>
-        <a:cs typeface="Helvetica Neue"/>
-        <a:sym typeface="Helvetica Neue"/>
+        <a:latin typeface="+mj-lt"/>
+        <a:ea typeface="+mj-ea"/>
+        <a:cs typeface="+mj-cs"/>
+        <a:sym typeface="Arial"/>
       </a:defRPr>
     </a:lvl7pPr>
     <a:lvl8pPr marL="0" marR="0" indent="0" algn="l" defTabSz="1295400" rtl="0" fontAlgn="auto" latinLnBrk="0" hangingPunct="0">
@@ -308,10 +309,10 @@
             <a:srgbClr val="000000"/>
           </a:solidFill>
         </a:uFill>
-        <a:latin typeface="Helvetica Neue"/>
-        <a:ea typeface="Helvetica Neue"/>
-        <a:cs typeface="Helvetica Neue"/>
-        <a:sym typeface="Helvetica Neue"/>
+        <a:latin typeface="+mj-lt"/>
+        <a:ea typeface="+mj-ea"/>
+        <a:cs typeface="+mj-cs"/>
+        <a:sym typeface="Arial"/>
       </a:defRPr>
     </a:lvl8pPr>
     <a:lvl9pPr marL="0" marR="0" indent="0" algn="l" defTabSz="1295400" rtl="0" fontAlgn="auto" latinLnBrk="0" hangingPunct="0">
@@ -342,10 +343,10 @@
             <a:srgbClr val="000000"/>
           </a:solidFill>
         </a:uFill>
-        <a:latin typeface="Helvetica Neue"/>
-        <a:ea typeface="Helvetica Neue"/>
-        <a:cs typeface="Helvetica Neue"/>
-        <a:sym typeface="Helvetica Neue"/>
+        <a:latin typeface="+mj-lt"/>
+        <a:ea typeface="+mj-ea"/>
+        <a:cs typeface="+mj-cs"/>
+        <a:sym typeface="Arial"/>
       </a:defRPr>
     </a:lvl9pPr>
   </p:defaultTextStyle>
@@ -434,9 +435,9 @@
             <a:srgbClr val="000000"/>
           </a:solidFill>
         </a:uFill>
-        <a:latin typeface="+mn-lt"/>
-        <a:ea typeface="+mn-ea"/>
-        <a:cs typeface="+mn-cs"/>
+        <a:latin typeface="+mj-lt"/>
+        <a:ea typeface="+mj-ea"/>
+        <a:cs typeface="+mj-cs"/>
         <a:sym typeface="Arial"/>
       </a:defRPr>
     </a:lvl1pPr>
@@ -447,9 +448,9 @@
             <a:srgbClr val="000000"/>
           </a:solidFill>
         </a:uFill>
-        <a:latin typeface="+mn-lt"/>
-        <a:ea typeface="+mn-ea"/>
-        <a:cs typeface="+mn-cs"/>
+        <a:latin typeface="+mj-lt"/>
+        <a:ea typeface="+mj-ea"/>
+        <a:cs typeface="+mj-cs"/>
         <a:sym typeface="Arial"/>
       </a:defRPr>
     </a:lvl2pPr>
@@ -460,9 +461,9 @@
             <a:srgbClr val="000000"/>
           </a:solidFill>
         </a:uFill>
-        <a:latin typeface="+mn-lt"/>
-        <a:ea typeface="+mn-ea"/>
-        <a:cs typeface="+mn-cs"/>
+        <a:latin typeface="+mj-lt"/>
+        <a:ea typeface="+mj-ea"/>
+        <a:cs typeface="+mj-cs"/>
         <a:sym typeface="Arial"/>
       </a:defRPr>
     </a:lvl3pPr>
@@ -473,9 +474,9 @@
             <a:srgbClr val="000000"/>
           </a:solidFill>
         </a:uFill>
-        <a:latin typeface="+mn-lt"/>
-        <a:ea typeface="+mn-ea"/>
-        <a:cs typeface="+mn-cs"/>
+        <a:latin typeface="+mj-lt"/>
+        <a:ea typeface="+mj-ea"/>
+        <a:cs typeface="+mj-cs"/>
         <a:sym typeface="Arial"/>
       </a:defRPr>
     </a:lvl4pPr>
@@ -486,9 +487,9 @@
             <a:srgbClr val="000000"/>
           </a:solidFill>
         </a:uFill>
-        <a:latin typeface="+mn-lt"/>
-        <a:ea typeface="+mn-ea"/>
-        <a:cs typeface="+mn-cs"/>
+        <a:latin typeface="+mj-lt"/>
+        <a:ea typeface="+mj-ea"/>
+        <a:cs typeface="+mj-cs"/>
         <a:sym typeface="Arial"/>
       </a:defRPr>
     </a:lvl5pPr>
@@ -499,9 +500,9 @@
             <a:srgbClr val="000000"/>
           </a:solidFill>
         </a:uFill>
-        <a:latin typeface="+mn-lt"/>
-        <a:ea typeface="+mn-ea"/>
-        <a:cs typeface="+mn-cs"/>
+        <a:latin typeface="+mj-lt"/>
+        <a:ea typeface="+mj-ea"/>
+        <a:cs typeface="+mj-cs"/>
         <a:sym typeface="Arial"/>
       </a:defRPr>
     </a:lvl6pPr>
@@ -512,9 +513,9 @@
             <a:srgbClr val="000000"/>
           </a:solidFill>
         </a:uFill>
-        <a:latin typeface="+mn-lt"/>
-        <a:ea typeface="+mn-ea"/>
-        <a:cs typeface="+mn-cs"/>
+        <a:latin typeface="+mj-lt"/>
+        <a:ea typeface="+mj-ea"/>
+        <a:cs typeface="+mj-cs"/>
         <a:sym typeface="Arial"/>
       </a:defRPr>
     </a:lvl7pPr>
@@ -525,9 +526,9 @@
             <a:srgbClr val="000000"/>
           </a:solidFill>
         </a:uFill>
-        <a:latin typeface="+mn-lt"/>
-        <a:ea typeface="+mn-ea"/>
-        <a:cs typeface="+mn-cs"/>
+        <a:latin typeface="+mj-lt"/>
+        <a:ea typeface="+mj-ea"/>
+        <a:cs typeface="+mj-cs"/>
         <a:sym typeface="Arial"/>
       </a:defRPr>
     </a:lvl8pPr>
@@ -538,9 +539,9 @@
             <a:srgbClr val="000000"/>
           </a:solidFill>
         </a:uFill>
-        <a:latin typeface="+mn-lt"/>
-        <a:ea typeface="+mn-ea"/>
-        <a:cs typeface="+mn-cs"/>
+        <a:latin typeface="+mj-lt"/>
+        <a:ea typeface="+mj-ea"/>
+        <a:cs typeface="+mj-cs"/>
         <a:sym typeface="Arial"/>
       </a:defRPr>
     </a:lvl9pPr>
@@ -567,7 +568,7 @@
       </p:grpSpPr>
       <p:pic>
         <p:nvPicPr>
-          <p:cNvPr id="15" name="image2.png"/>
+          <p:cNvPr id="15" name="image3.png"/>
           <p:cNvPicPr>
             <a:picLocks noChangeAspect="1"/>
           </p:cNvPicPr>
@@ -584,7 +585,7 @@
         <p:spPr>
           <a:xfrm>
             <a:off x="352017" y="5240406"/>
-            <a:ext cx="7374519" cy="2003842"/>
+            <a:ext cx="7374519" cy="2003843"/>
           </a:xfrm>
           <a:prstGeom prst="rect">
             <a:avLst/>
@@ -602,10 +603,10 @@
         </p:nvGrpSpPr>
         <p:grpSpPr>
           <a:xfrm>
-            <a:off x="144598" y="7457907"/>
-            <a:ext cx="12640077" cy="840359"/>
-            <a:chOff x="0" y="-96179"/>
-            <a:chExt cx="12640075" cy="840358"/>
+            <a:off x="144595" y="7457904"/>
+            <a:ext cx="12640083" cy="840359"/>
+            <a:chOff x="-2" y="-1"/>
+            <a:chExt cx="12640081" cy="840358"/>
           </a:xfrm>
         </p:grpSpPr>
         <p:grpSp>
@@ -616,10 +617,10 @@
           </p:nvGrpSpPr>
           <p:grpSpPr>
             <a:xfrm>
-              <a:off x="-1" y="-96180"/>
-              <a:ext cx="4140001" cy="840359"/>
-              <a:chOff x="0" y="-96179"/>
-              <a:chExt cx="4140000" cy="840358"/>
+              <a:off x="-3" y="-2"/>
+              <a:ext cx="4140005" cy="840359"/>
+              <a:chOff x="0" y="-1"/>
+              <a:chExt cx="4140003" cy="840358"/>
             </a:xfrm>
           </p:grpSpPr>
           <p:sp>
@@ -630,8 +631,8 @@
             </p:nvSpPr>
             <p:spPr>
               <a:xfrm>
-                <a:off x="-1" y="-1"/>
-                <a:ext cx="4140002" cy="648002"/>
+                <a:off x="-1" y="96178"/>
+                <a:ext cx="4140004" cy="648004"/>
               </a:xfrm>
               <a:prstGeom prst="rect">
                 <a:avLst/>
@@ -678,8 +679,8 @@
             </p:nvSpPr>
             <p:spPr>
               <a:xfrm>
-                <a:off x="-1" y="-96180"/>
-                <a:ext cx="4140002" cy="840359"/>
+                <a:off x="-1" y="-2"/>
+                <a:ext cx="4140004" cy="840360"/>
               </a:xfrm>
               <a:prstGeom prst="rect">
                 <a:avLst/>
@@ -735,10 +736,10 @@
           </p:nvGrpSpPr>
           <p:grpSpPr>
             <a:xfrm>
-              <a:off x="8500075" y="-83480"/>
-              <a:ext cx="4140001" cy="814959"/>
-              <a:chOff x="0" y="-83479"/>
-              <a:chExt cx="4140000" cy="814958"/>
+              <a:off x="8500075" y="12697"/>
+              <a:ext cx="4140005" cy="814959"/>
+              <a:chOff x="0" y="-1"/>
+              <a:chExt cx="4140003" cy="814958"/>
             </a:xfrm>
           </p:grpSpPr>
           <p:sp>
@@ -749,8 +750,8 @@
             </p:nvSpPr>
             <p:spPr>
               <a:xfrm>
-                <a:off x="-1" y="-1"/>
-                <a:ext cx="4140002" cy="648002"/>
+                <a:off x="-1" y="83478"/>
+                <a:ext cx="4140004" cy="648004"/>
               </a:xfrm>
               <a:prstGeom prst="rect">
                 <a:avLst/>
@@ -797,8 +798,8 @@
             </p:nvSpPr>
             <p:spPr>
               <a:xfrm>
-                <a:off x="-1" y="-83480"/>
-                <a:ext cx="4140002" cy="814959"/>
+                <a:off x="-1" y="-2"/>
+                <a:ext cx="4140004" cy="814959"/>
               </a:xfrm>
               <a:prstGeom prst="rect">
                 <a:avLst/>
@@ -854,10 +855,10 @@
           </p:nvGrpSpPr>
           <p:grpSpPr>
             <a:xfrm>
-              <a:off x="4270631" y="-83380"/>
-              <a:ext cx="4140001" cy="814959"/>
-              <a:chOff x="0" y="-83479"/>
-              <a:chExt cx="4140000" cy="814958"/>
+              <a:off x="4270630" y="12797"/>
+              <a:ext cx="4140005" cy="814959"/>
+              <a:chOff x="0" y="-1"/>
+              <a:chExt cx="4140003" cy="814958"/>
             </a:xfrm>
           </p:grpSpPr>
           <p:sp>
@@ -868,8 +869,8 @@
             </p:nvSpPr>
             <p:spPr>
               <a:xfrm>
-                <a:off x="-1" y="-1"/>
-                <a:ext cx="4140002" cy="648002"/>
+                <a:off x="-1" y="83478"/>
+                <a:ext cx="4140004" cy="648004"/>
               </a:xfrm>
               <a:prstGeom prst="rect">
                 <a:avLst/>
@@ -916,8 +917,8 @@
             </p:nvSpPr>
             <p:spPr>
               <a:xfrm>
-                <a:off x="-1" y="-83480"/>
-                <a:ext cx="4140002" cy="814959"/>
+                <a:off x="-1" y="-2"/>
+                <a:ext cx="4140004" cy="814959"/>
               </a:xfrm>
               <a:prstGeom prst="rect">
                 <a:avLst/>
@@ -1008,8 +1009,8 @@
         </p:nvSpPr>
         <p:spPr>
           <a:xfrm>
-            <a:off x="460800" y="3165301"/>
-            <a:ext cx="12052800" cy="1495475"/>
+            <a:off x="460800" y="3165300"/>
+            <a:ext cx="12052800" cy="1495476"/>
           </a:xfrm>
           <a:prstGeom prst="rect">
             <a:avLst/>
@@ -1024,25 +1025,25 @@
               <a:buNone/>
               <a:defRPr sz="2400"/>
             </a:lvl1pPr>
-            <a:lvl2pPr marL="0" indent="457200" algn="ctr">
+            <a:lvl2pPr marL="0" indent="0" algn="ctr">
               <a:buClrTx/>
               <a:buSzTx/>
               <a:buNone/>
               <a:defRPr sz="2400"/>
             </a:lvl2pPr>
-            <a:lvl3pPr marL="0" indent="914400" algn="ctr">
+            <a:lvl3pPr marL="0" indent="0" algn="ctr">
               <a:buClrTx/>
               <a:buSzTx/>
               <a:buNone/>
               <a:defRPr sz="2400"/>
             </a:lvl3pPr>
-            <a:lvl4pPr marL="0" indent="1371600" algn="ctr">
+            <a:lvl4pPr marL="0" indent="0" algn="ctr">
               <a:buClrTx/>
               <a:buSzTx/>
               <a:buNone/>
               <a:defRPr sz="2400"/>
             </a:lvl4pPr>
-            <a:lvl5pPr marL="0" indent="1828800" algn="ctr">
+            <a:lvl5pPr marL="0" indent="0" algn="ctr">
               <a:buClrTx/>
               <a:buSzTx/>
               <a:buNone/>
@@ -1083,7 +1084,7 @@
       </p:sp>
       <p:pic>
         <p:nvPicPr>
-          <p:cNvPr id="28" name="image3.jpg"/>
+          <p:cNvPr id="28" name="image1.jpeg"/>
           <p:cNvPicPr>
             <a:picLocks noChangeAspect="1"/>
           </p:cNvPicPr>
@@ -1099,8 +1100,8 @@
         </p:blipFill>
         <p:spPr>
           <a:xfrm>
-            <a:off x="11590233" y="8612054"/>
-            <a:ext cx="1169708" cy="781755"/>
+            <a:off x="11590232" y="8612054"/>
+            <a:ext cx="1169709" cy="781756"/>
           </a:xfrm>
           <a:prstGeom prst="rect">
             <a:avLst/>
@@ -1118,8 +1119,8 @@
         </p:nvSpPr>
         <p:spPr>
           <a:xfrm>
-            <a:off x="144598" y="8478736"/>
-            <a:ext cx="11695000" cy="933400"/>
+            <a:off x="144597" y="8478735"/>
+            <a:ext cx="11695002" cy="933401"/>
           </a:xfrm>
           <a:prstGeom prst="rect">
             <a:avLst/>
@@ -1144,6 +1145,10 @@
                 <a:solidFill>
                   <a:srgbClr val="686F76"/>
                 </a:solidFill>
+                <a:latin typeface="Helvetica Neue"/>
+                <a:ea typeface="Helvetica Neue"/>
+                <a:cs typeface="Helvetica Neue"/>
+                <a:sym typeface="Helvetica Neue"/>
               </a:defRPr>
             </a:pPr>
             <a:r>
@@ -1156,6 +1161,10 @@
                 <a:solidFill>
                   <a:srgbClr val="686F76"/>
                 </a:solidFill>
+                <a:latin typeface="Helvetica Neue"/>
+                <a:ea typeface="Helvetica Neue"/>
+                <a:cs typeface="Helvetica Neue"/>
+                <a:sym typeface="Helvetica Neue"/>
               </a:defRPr>
             </a:pPr>
             <a:r>
@@ -1168,6 +1177,10 @@
                 <a:solidFill>
                   <a:srgbClr val="686F76"/>
                 </a:solidFill>
+                <a:latin typeface="Helvetica Neue"/>
+                <a:ea typeface="Helvetica Neue"/>
+                <a:cs typeface="Helvetica Neue"/>
+                <a:sym typeface="Helvetica Neue"/>
               </a:defRPr>
             </a:pPr>
             <a:r>
@@ -1186,8 +1199,8 @@
         </p:nvSpPr>
         <p:spPr>
           <a:xfrm>
-            <a:off x="7802879" y="8779791"/>
-            <a:ext cx="3034454" cy="520701"/>
+            <a:off x="9155057" y="8882967"/>
+            <a:ext cx="330097" cy="314349"/>
           </a:xfrm>
           <a:prstGeom prst="rect">
             <a:avLst/>
@@ -1366,8 +1379,8 @@
         </p:blipFill>
         <p:spPr>
           <a:xfrm>
-            <a:off x="525735" y="8981255"/>
-            <a:ext cx="1265302" cy="478347"/>
+            <a:off x="525735" y="8981254"/>
+            <a:ext cx="1265303" cy="478348"/>
           </a:xfrm>
           <a:prstGeom prst="rect">
             <a:avLst/>
@@ -1385,8 +1398,8 @@
         </p:nvSpPr>
         <p:spPr>
           <a:xfrm>
-            <a:off x="3478064" y="9148030"/>
-            <a:ext cx="8064896" cy="314351"/>
+            <a:off x="3478064" y="9148029"/>
+            <a:ext cx="8064897" cy="314350"/>
           </a:xfrm>
           <a:prstGeom prst="rect">
             <a:avLst/>
@@ -1401,7 +1414,7 @@
           </a:extLst>
         </p:spPr>
         <p:txBody>
-          <a:bodyPr lIns="45719" rIns="45719" anchor="ctr">
+          <a:bodyPr lIns="45718" tIns="45718" rIns="45718" bIns="45718" anchor="ctr">
             <a:normAutofit fontScale="100000" lnSpcReduction="0"/>
           </a:bodyPr>
           <a:lstStyle>
@@ -1416,6 +1429,10 @@
                 <a:solidFill>
                   <a:srgbClr val="686F76"/>
                 </a:solidFill>
+                <a:latin typeface="Helvetica Neue"/>
+                <a:ea typeface="Helvetica Neue"/>
+                <a:cs typeface="Helvetica Neue"/>
+                <a:sym typeface="Helvetica Neue"/>
               </a:defRPr>
             </a:lvl1pPr>
           </a:lstStyle>
@@ -1534,7 +1551,7 @@
         <p:spPr>
           <a:xfrm>
             <a:off x="453728" y="844359"/>
-            <a:ext cx="10162394" cy="45720"/>
+            <a:ext cx="10162394" cy="45721"/>
           </a:xfrm>
           <a:prstGeom prst="rect">
             <a:avLst/>
@@ -1556,10 +1573,6 @@
                   <a:srgbClr val="FFFFFF"/>
                 </a:solidFill>
                 <a:uFillTx/>
-                <a:latin typeface="+mn-lt"/>
-                <a:ea typeface="+mn-ea"/>
-                <a:cs typeface="+mn-cs"/>
-                <a:sym typeface="Arial"/>
               </a:defRPr>
             </a:pPr>
           </a:p>
@@ -1573,7 +1586,7 @@
         </p:nvSpPr>
         <p:spPr>
           <a:xfrm>
-            <a:off x="8703085" y="379078"/>
+            <a:off x="8703085" y="379077"/>
             <a:ext cx="1913037" cy="458640"/>
           </a:xfrm>
           <a:prstGeom prst="rect">
@@ -1632,7 +1645,7 @@
         <p:spPr>
           <a:xfrm>
             <a:off x="10716466" y="450000"/>
-            <a:ext cx="1906614" cy="1906614"/>
+            <a:ext cx="1906615" cy="1906615"/>
           </a:xfrm>
           <a:prstGeom prst="rect">
             <a:avLst/>
@@ -1708,8 +1721,8 @@
         </p:blipFill>
         <p:spPr>
           <a:xfrm>
-            <a:off x="525735" y="8981255"/>
-            <a:ext cx="1265302" cy="478347"/>
+            <a:off x="525735" y="8981254"/>
+            <a:ext cx="1265303" cy="478348"/>
           </a:xfrm>
           <a:prstGeom prst="rect">
             <a:avLst/>
@@ -1727,8 +1740,8 @@
         </p:nvSpPr>
         <p:spPr>
           <a:xfrm>
-            <a:off x="3478064" y="9148030"/>
-            <a:ext cx="8064896" cy="314351"/>
+            <a:off x="3478064" y="9148029"/>
+            <a:ext cx="8064897" cy="314350"/>
           </a:xfrm>
           <a:prstGeom prst="rect">
             <a:avLst/>
@@ -1743,7 +1756,7 @@
           </a:extLst>
         </p:spPr>
         <p:txBody>
-          <a:bodyPr lIns="45719" rIns="45719" anchor="ctr">
+          <a:bodyPr lIns="45718" tIns="45718" rIns="45718" bIns="45718" anchor="ctr">
             <a:normAutofit fontScale="100000" lnSpcReduction="0"/>
           </a:bodyPr>
           <a:lstStyle>
@@ -1758,6 +1771,10 @@
                 <a:solidFill>
                   <a:srgbClr val="686F76"/>
                 </a:solidFill>
+                <a:latin typeface="Helvetica Neue"/>
+                <a:ea typeface="Helvetica Neue"/>
+                <a:cs typeface="Helvetica Neue"/>
+                <a:sym typeface="Helvetica Neue"/>
               </a:defRPr>
             </a:lvl1pPr>
           </a:lstStyle>
@@ -1876,7 +1893,7 @@
         <p:spPr>
           <a:xfrm>
             <a:off x="453728" y="844359"/>
-            <a:ext cx="10162394" cy="45720"/>
+            <a:ext cx="10162394" cy="45721"/>
           </a:xfrm>
           <a:prstGeom prst="rect">
             <a:avLst/>
@@ -1898,10 +1915,6 @@
                   <a:srgbClr val="FFFFFF"/>
                 </a:solidFill>
                 <a:uFillTx/>
-                <a:latin typeface="+mn-lt"/>
-                <a:ea typeface="+mn-ea"/>
-                <a:cs typeface="+mn-cs"/>
-                <a:sym typeface="Arial"/>
               </a:defRPr>
             </a:pPr>
           </a:p>
@@ -1915,8 +1928,8 @@
         </p:nvSpPr>
         <p:spPr>
           <a:xfrm>
-            <a:off x="8828100" y="379078"/>
-            <a:ext cx="1788022" cy="458640"/>
+            <a:off x="8828099" y="379077"/>
+            <a:ext cx="1788023" cy="458640"/>
           </a:xfrm>
           <a:prstGeom prst="rect">
             <a:avLst/>
@@ -1974,7 +1987,7 @@
         <p:spPr>
           <a:xfrm>
             <a:off x="10717127" y="450567"/>
-            <a:ext cx="1905954" cy="1905954"/>
+            <a:ext cx="1905955" cy="1905955"/>
           </a:xfrm>
           <a:prstGeom prst="rect">
             <a:avLst/>
@@ -2050,8 +2063,8 @@
         </p:blipFill>
         <p:spPr>
           <a:xfrm>
-            <a:off x="525735" y="8981255"/>
-            <a:ext cx="1265302" cy="478347"/>
+            <a:off x="525735" y="8981254"/>
+            <a:ext cx="1265303" cy="478348"/>
           </a:xfrm>
           <a:prstGeom prst="rect">
             <a:avLst/>
@@ -2069,8 +2082,8 @@
         </p:nvSpPr>
         <p:spPr>
           <a:xfrm>
-            <a:off x="3478064" y="9148030"/>
-            <a:ext cx="8064896" cy="314351"/>
+            <a:off x="3478064" y="9148029"/>
+            <a:ext cx="8064897" cy="314350"/>
           </a:xfrm>
           <a:prstGeom prst="rect">
             <a:avLst/>
@@ -2085,7 +2098,7 @@
           </a:extLst>
         </p:spPr>
         <p:txBody>
-          <a:bodyPr lIns="45719" rIns="45719" anchor="ctr">
+          <a:bodyPr lIns="45718" tIns="45718" rIns="45718" bIns="45718" anchor="ctr">
             <a:normAutofit fontScale="100000" lnSpcReduction="0"/>
           </a:bodyPr>
           <a:lstStyle>
@@ -2100,6 +2113,10 @@
                 <a:solidFill>
                   <a:srgbClr val="686F76"/>
                 </a:solidFill>
+                <a:latin typeface="Helvetica Neue"/>
+                <a:ea typeface="Helvetica Neue"/>
+                <a:cs typeface="Helvetica Neue"/>
+                <a:sym typeface="Helvetica Neue"/>
               </a:defRPr>
             </a:lvl1pPr>
           </a:lstStyle>
@@ -2218,7 +2235,7 @@
         <p:spPr>
           <a:xfrm>
             <a:off x="453728" y="844359"/>
-            <a:ext cx="10162394" cy="45720"/>
+            <a:ext cx="10162394" cy="45721"/>
           </a:xfrm>
           <a:prstGeom prst="rect">
             <a:avLst/>
@@ -2240,10 +2257,6 @@
                   <a:srgbClr val="FFFFFF"/>
                 </a:solidFill>
                 <a:uFillTx/>
-                <a:latin typeface="+mn-lt"/>
-                <a:ea typeface="+mn-ea"/>
-                <a:cs typeface="+mn-cs"/>
-                <a:sym typeface="Arial"/>
               </a:defRPr>
             </a:pPr>
           </a:p>
@@ -2257,8 +2270,8 @@
         </p:nvSpPr>
         <p:spPr>
           <a:xfrm>
-            <a:off x="8264190" y="379078"/>
-            <a:ext cx="2351932" cy="458640"/>
+            <a:off x="8264190" y="379077"/>
+            <a:ext cx="2351931" cy="458640"/>
           </a:xfrm>
           <a:prstGeom prst="rect">
             <a:avLst/>
@@ -2316,7 +2329,7 @@
         <p:spPr>
           <a:xfrm>
             <a:off x="10717127" y="450000"/>
-            <a:ext cx="1905954" cy="1905954"/>
+            <a:ext cx="1905955" cy="1905955"/>
           </a:xfrm>
           <a:prstGeom prst="rect">
             <a:avLst/>
@@ -2376,7 +2389,7 @@
       </p:grpSpPr>
       <p:pic>
         <p:nvPicPr>
-          <p:cNvPr id="88" name="image2.png"/>
+          <p:cNvPr id="88" name="image3.png"/>
           <p:cNvPicPr>
             <a:picLocks noChangeAspect="1"/>
           </p:cNvPicPr>
@@ -2393,7 +2406,7 @@
         <p:spPr>
           <a:xfrm>
             <a:off x="352017" y="6100936"/>
-            <a:ext cx="7374519" cy="2003842"/>
+            <a:ext cx="7374519" cy="2003843"/>
           </a:xfrm>
           <a:prstGeom prst="rect">
             <a:avLst/>
@@ -2411,10 +2424,10 @@
         </p:nvGrpSpPr>
         <p:grpSpPr>
           <a:xfrm>
-            <a:off x="144598" y="8331136"/>
-            <a:ext cx="12640077" cy="815059"/>
-            <a:chOff x="0" y="-83479"/>
-            <a:chExt cx="12640075" cy="815058"/>
+            <a:off x="144595" y="8331133"/>
+            <a:ext cx="12640083" cy="815059"/>
+            <a:chOff x="-2" y="-2"/>
+            <a:chExt cx="12640081" cy="815058"/>
           </a:xfrm>
         </p:grpSpPr>
         <p:grpSp>
@@ -2425,10 +2438,10 @@
           </p:nvGrpSpPr>
           <p:grpSpPr>
             <a:xfrm>
-              <a:off x="-1" y="-83480"/>
-              <a:ext cx="4140001" cy="814959"/>
-              <a:chOff x="0" y="-83479"/>
-              <a:chExt cx="4140000" cy="814958"/>
+              <a:off x="-3" y="-3"/>
+              <a:ext cx="4140005" cy="814959"/>
+              <a:chOff x="0" y="-1"/>
+              <a:chExt cx="4140003" cy="814958"/>
             </a:xfrm>
           </p:grpSpPr>
           <p:sp>
@@ -2439,8 +2452,8 @@
             </p:nvSpPr>
             <p:spPr>
               <a:xfrm>
-                <a:off x="-1" y="-1"/>
-                <a:ext cx="4140002" cy="648002"/>
+                <a:off x="-1" y="83478"/>
+                <a:ext cx="4140004" cy="648004"/>
               </a:xfrm>
               <a:prstGeom prst="rect">
                 <a:avLst/>
@@ -2487,8 +2500,8 @@
             </p:nvSpPr>
             <p:spPr>
               <a:xfrm>
-                <a:off x="-1" y="-83480"/>
-                <a:ext cx="4140002" cy="814959"/>
+                <a:off x="-1" y="-2"/>
+                <a:ext cx="4140004" cy="814959"/>
               </a:xfrm>
               <a:prstGeom prst="rect">
                 <a:avLst/>
@@ -2544,10 +2557,10 @@
           </p:nvGrpSpPr>
           <p:grpSpPr>
             <a:xfrm>
-              <a:off x="8500075" y="-83480"/>
-              <a:ext cx="4140001" cy="814959"/>
-              <a:chOff x="0" y="-83479"/>
-              <a:chExt cx="4140000" cy="814958"/>
+              <a:off x="8500075" y="-3"/>
+              <a:ext cx="4140005" cy="814959"/>
+              <a:chOff x="0" y="-1"/>
+              <a:chExt cx="4140003" cy="814958"/>
             </a:xfrm>
           </p:grpSpPr>
           <p:sp>
@@ -2558,8 +2571,8 @@
             </p:nvSpPr>
             <p:spPr>
               <a:xfrm>
-                <a:off x="-1" y="-1"/>
-                <a:ext cx="4140002" cy="648002"/>
+                <a:off x="-1" y="83478"/>
+                <a:ext cx="4140004" cy="648004"/>
               </a:xfrm>
               <a:prstGeom prst="rect">
                 <a:avLst/>
@@ -2606,8 +2619,8 @@
             </p:nvSpPr>
             <p:spPr>
               <a:xfrm>
-                <a:off x="-1" y="-83480"/>
-                <a:ext cx="4140002" cy="814959"/>
+                <a:off x="-1" y="-2"/>
+                <a:ext cx="4140004" cy="814959"/>
               </a:xfrm>
               <a:prstGeom prst="rect">
                 <a:avLst/>
@@ -2663,10 +2676,10 @@
           </p:nvGrpSpPr>
           <p:grpSpPr>
             <a:xfrm>
-              <a:off x="4270631" y="-83380"/>
-              <a:ext cx="4140001" cy="814959"/>
-              <a:chOff x="0" y="-83479"/>
-              <a:chExt cx="4140000" cy="814958"/>
+              <a:off x="4270630" y="97"/>
+              <a:ext cx="4140005" cy="814959"/>
+              <a:chOff x="0" y="-1"/>
+              <a:chExt cx="4140003" cy="814958"/>
             </a:xfrm>
           </p:grpSpPr>
           <p:sp>
@@ -2677,8 +2690,8 @@
             </p:nvSpPr>
             <p:spPr>
               <a:xfrm>
-                <a:off x="-1" y="-1"/>
-                <a:ext cx="4140002" cy="648002"/>
+                <a:off x="-1" y="83478"/>
+                <a:ext cx="4140004" cy="648004"/>
               </a:xfrm>
               <a:prstGeom prst="rect">
                 <a:avLst/>
@@ -2725,8 +2738,8 @@
             </p:nvSpPr>
             <p:spPr>
               <a:xfrm>
-                <a:off x="-1" y="-83480"/>
-                <a:ext cx="4140002" cy="814959"/>
+                <a:off x="-1" y="-2"/>
+                <a:ext cx="4140004" cy="814959"/>
               </a:xfrm>
               <a:prstGeom prst="rect">
                 <a:avLst/>
@@ -2786,7 +2799,7 @@
         <p:spPr>
           <a:xfrm>
             <a:off x="460800" y="1780456"/>
-            <a:ext cx="12052800" cy="2255929"/>
+            <a:ext cx="12052800" cy="2255930"/>
           </a:xfrm>
           <a:prstGeom prst="rect">
             <a:avLst/>
@@ -2818,7 +2831,7 @@
         <p:spPr>
           <a:xfrm>
             <a:off x="460800" y="4245421"/>
-            <a:ext cx="12052800" cy="1494001"/>
+            <a:ext cx="12052800" cy="1494002"/>
           </a:xfrm>
           <a:prstGeom prst="rect">
             <a:avLst/>
@@ -2833,25 +2846,25 @@
               <a:buNone/>
               <a:defRPr sz="2400"/>
             </a:lvl1pPr>
-            <a:lvl2pPr marL="0" indent="457200" algn="ctr">
+            <a:lvl2pPr marL="0" indent="0" algn="ctr">
               <a:buClrTx/>
               <a:buSzTx/>
               <a:buNone/>
               <a:defRPr sz="2400"/>
             </a:lvl2pPr>
-            <a:lvl3pPr marL="0" indent="914400" algn="ctr">
+            <a:lvl3pPr marL="0" indent="0" algn="ctr">
               <a:buClrTx/>
               <a:buSzTx/>
               <a:buNone/>
               <a:defRPr sz="2400"/>
             </a:lvl3pPr>
-            <a:lvl4pPr marL="0" indent="1371600" algn="ctr">
+            <a:lvl4pPr marL="0" indent="0" algn="ctr">
               <a:buClrTx/>
               <a:buSzTx/>
               <a:buNone/>
               <a:defRPr sz="2400"/>
             </a:lvl4pPr>
-            <a:lvl5pPr marL="0" indent="1828800" algn="ctr">
+            <a:lvl5pPr marL="0" indent="0" algn="ctr">
               <a:buClrTx/>
               <a:buSzTx/>
               <a:buNone/>
@@ -2900,8 +2913,8 @@
         </p:nvSpPr>
         <p:spPr>
           <a:xfrm>
-            <a:off x="7802879" y="8779791"/>
-            <a:ext cx="3034454" cy="520701"/>
+            <a:off x="9155057" y="8882967"/>
+            <a:ext cx="330097" cy="314349"/>
           </a:xfrm>
           <a:prstGeom prst="rect">
             <a:avLst/>
@@ -2944,7 +2957,7 @@
       </p:grpSpPr>
       <p:pic>
         <p:nvPicPr>
-          <p:cNvPr id="108" name="image2.png"/>
+          <p:cNvPr id="108" name="image3.png"/>
           <p:cNvPicPr>
             <a:picLocks noChangeAspect="1"/>
           </p:cNvPicPr>
@@ -2961,7 +2974,7 @@
         <p:spPr>
           <a:xfrm>
             <a:off x="352017" y="6460976"/>
-            <a:ext cx="10104907" cy="2745757"/>
+            <a:ext cx="10104908" cy="2745758"/>
           </a:xfrm>
           <a:prstGeom prst="rect">
             <a:avLst/>
@@ -2981,8 +2994,8 @@
         </p:nvSpPr>
         <p:spPr>
           <a:xfrm>
-            <a:off x="460800" y="1781999"/>
-            <a:ext cx="12052800" cy="2255929"/>
+            <a:off x="460800" y="1781998"/>
+            <a:ext cx="12052800" cy="2255930"/>
           </a:xfrm>
           <a:prstGeom prst="rect">
             <a:avLst/>
@@ -3014,7 +3027,7 @@
         <p:spPr>
           <a:xfrm>
             <a:off x="460800" y="4244399"/>
-            <a:ext cx="12052800" cy="1494001"/>
+            <a:ext cx="12052800" cy="1494002"/>
           </a:xfrm>
           <a:prstGeom prst="rect">
             <a:avLst/>
@@ -3029,25 +3042,25 @@
               <a:buNone/>
               <a:defRPr sz="2400"/>
             </a:lvl1pPr>
-            <a:lvl2pPr marL="0" indent="457200" algn="ctr">
+            <a:lvl2pPr marL="0" indent="0" algn="ctr">
               <a:buClrTx/>
               <a:buSzTx/>
               <a:buNone/>
               <a:defRPr sz="2400"/>
             </a:lvl2pPr>
-            <a:lvl3pPr marL="0" indent="914400" algn="ctr">
+            <a:lvl3pPr marL="0" indent="0" algn="ctr">
               <a:buClrTx/>
               <a:buSzTx/>
               <a:buNone/>
               <a:defRPr sz="2400"/>
             </a:lvl3pPr>
-            <a:lvl4pPr marL="0" indent="1371600" algn="ctr">
+            <a:lvl4pPr marL="0" indent="0" algn="ctr">
               <a:buClrTx/>
               <a:buSzTx/>
               <a:buNone/>
               <a:defRPr sz="2400"/>
             </a:lvl4pPr>
-            <a:lvl5pPr marL="0" indent="1828800" algn="ctr">
+            <a:lvl5pPr marL="0" indent="0" algn="ctr">
               <a:buClrTx/>
               <a:buSzTx/>
               <a:buNone/>
@@ -3088,7 +3101,7 @@
       </p:sp>
       <p:pic>
         <p:nvPicPr>
-          <p:cNvPr id="111" name="image3.jpg"/>
+          <p:cNvPr id="111" name="image1.jpeg"/>
           <p:cNvPicPr>
             <a:picLocks noChangeAspect="1"/>
           </p:cNvPicPr>
@@ -3104,8 +3117,8 @@
         </p:blipFill>
         <p:spPr>
           <a:xfrm>
-            <a:off x="11789172" y="144943"/>
-            <a:ext cx="969135" cy="647705"/>
+            <a:off x="11789171" y="144943"/>
+            <a:ext cx="969136" cy="647705"/>
           </a:xfrm>
           <a:prstGeom prst="rect">
             <a:avLst/>
@@ -3123,8 +3136,8 @@
         </p:nvSpPr>
         <p:spPr>
           <a:xfrm>
-            <a:off x="4054128" y="137352"/>
-            <a:ext cx="7685113" cy="654000"/>
+            <a:off x="4054128" y="137351"/>
+            <a:ext cx="7685114" cy="654001"/>
           </a:xfrm>
           <a:prstGeom prst="rect">
             <a:avLst/>
@@ -3148,6 +3161,10 @@
                 <a:solidFill>
                   <a:srgbClr val="686F76"/>
                 </a:solidFill>
+                <a:latin typeface="Helvetica Neue"/>
+                <a:ea typeface="Helvetica Neue"/>
+                <a:cs typeface="Helvetica Neue"/>
+                <a:sym typeface="Helvetica Neue"/>
               </a:defRPr>
             </a:lvl1pPr>
           </a:lstStyle>
@@ -3169,8 +3186,8 @@
         </p:nvSpPr>
         <p:spPr>
           <a:xfrm>
-            <a:off x="7802879" y="8779791"/>
-            <a:ext cx="3034454" cy="520701"/>
+            <a:off x="9155057" y="8882967"/>
+            <a:ext cx="330097" cy="314349"/>
           </a:xfrm>
           <a:prstGeom prst="rect">
             <a:avLst/>
@@ -3213,7 +3230,7 @@
       </p:grpSpPr>
       <p:pic>
         <p:nvPicPr>
-          <p:cNvPr id="120" name="image2.png"/>
+          <p:cNvPr id="120" name="image3.png"/>
           <p:cNvPicPr>
             <a:picLocks noChangeAspect="1"/>
           </p:cNvPicPr>
@@ -3230,7 +3247,7 @@
         <p:spPr>
           <a:xfrm>
             <a:off x="352017" y="5011363"/>
-            <a:ext cx="7374519" cy="2003842"/>
+            <a:ext cx="7374519" cy="2003843"/>
           </a:xfrm>
           <a:prstGeom prst="rect">
             <a:avLst/>
@@ -3248,10 +3265,10 @@
         </p:nvGrpSpPr>
         <p:grpSpPr>
           <a:xfrm>
-            <a:off x="144598" y="7241565"/>
-            <a:ext cx="12640077" cy="815059"/>
-            <a:chOff x="0" y="-83479"/>
-            <a:chExt cx="12640075" cy="815058"/>
+            <a:off x="144595" y="7241562"/>
+            <a:ext cx="12640083" cy="815059"/>
+            <a:chOff x="-2" y="-2"/>
+            <a:chExt cx="12640081" cy="815058"/>
           </a:xfrm>
         </p:grpSpPr>
         <p:grpSp>
@@ -3262,10 +3279,10 @@
           </p:nvGrpSpPr>
           <p:grpSpPr>
             <a:xfrm>
-              <a:off x="-1" y="-83480"/>
-              <a:ext cx="4140001" cy="814959"/>
-              <a:chOff x="0" y="-83479"/>
-              <a:chExt cx="4140000" cy="814958"/>
+              <a:off x="-3" y="-3"/>
+              <a:ext cx="4140005" cy="814959"/>
+              <a:chOff x="0" y="-1"/>
+              <a:chExt cx="4140003" cy="814958"/>
             </a:xfrm>
           </p:grpSpPr>
           <p:sp>
@@ -3276,8 +3293,8 @@
             </p:nvSpPr>
             <p:spPr>
               <a:xfrm>
-                <a:off x="-1" y="-1"/>
-                <a:ext cx="4140002" cy="648002"/>
+                <a:off x="-1" y="83478"/>
+                <a:ext cx="4140004" cy="648004"/>
               </a:xfrm>
               <a:prstGeom prst="rect">
                 <a:avLst/>
@@ -3324,8 +3341,8 @@
             </p:nvSpPr>
             <p:spPr>
               <a:xfrm>
-                <a:off x="-1" y="-83480"/>
-                <a:ext cx="4140002" cy="814959"/>
+                <a:off x="-1" y="-2"/>
+                <a:ext cx="4140004" cy="814959"/>
               </a:xfrm>
               <a:prstGeom prst="rect">
                 <a:avLst/>
@@ -3381,10 +3398,10 @@
           </p:nvGrpSpPr>
           <p:grpSpPr>
             <a:xfrm>
-              <a:off x="8500075" y="-83480"/>
-              <a:ext cx="4140001" cy="814959"/>
-              <a:chOff x="0" y="-83479"/>
-              <a:chExt cx="4140000" cy="814958"/>
+              <a:off x="8500075" y="-3"/>
+              <a:ext cx="4140005" cy="814959"/>
+              <a:chOff x="0" y="-1"/>
+              <a:chExt cx="4140003" cy="814958"/>
             </a:xfrm>
           </p:grpSpPr>
           <p:sp>
@@ -3395,8 +3412,8 @@
             </p:nvSpPr>
             <p:spPr>
               <a:xfrm>
-                <a:off x="-1" y="-1"/>
-                <a:ext cx="4140002" cy="648002"/>
+                <a:off x="-1" y="83478"/>
+                <a:ext cx="4140004" cy="648004"/>
               </a:xfrm>
               <a:prstGeom prst="rect">
                 <a:avLst/>
@@ -3443,8 +3460,8 @@
             </p:nvSpPr>
             <p:spPr>
               <a:xfrm>
-                <a:off x="-1" y="-83480"/>
-                <a:ext cx="4140002" cy="814959"/>
+                <a:off x="-1" y="-2"/>
+                <a:ext cx="4140004" cy="814959"/>
               </a:xfrm>
               <a:prstGeom prst="rect">
                 <a:avLst/>
@@ -3500,10 +3517,10 @@
           </p:nvGrpSpPr>
           <p:grpSpPr>
             <a:xfrm>
-              <a:off x="4270631" y="-83380"/>
-              <a:ext cx="4140001" cy="814959"/>
-              <a:chOff x="0" y="-83479"/>
-              <a:chExt cx="4140000" cy="814958"/>
+              <a:off x="4270630" y="97"/>
+              <a:ext cx="4140005" cy="814959"/>
+              <a:chOff x="0" y="-1"/>
+              <a:chExt cx="4140003" cy="814958"/>
             </a:xfrm>
           </p:grpSpPr>
           <p:sp>
@@ -3514,8 +3531,8 @@
             </p:nvSpPr>
             <p:spPr>
               <a:xfrm>
-                <a:off x="-1" y="-1"/>
-                <a:ext cx="4140002" cy="648002"/>
+                <a:off x="-1" y="83478"/>
+                <a:ext cx="4140004" cy="648004"/>
               </a:xfrm>
               <a:prstGeom prst="rect">
                 <a:avLst/>
@@ -3562,8 +3579,8 @@
             </p:nvSpPr>
             <p:spPr>
               <a:xfrm>
-                <a:off x="-1" y="-83480"/>
-                <a:ext cx="4140002" cy="814959"/>
+                <a:off x="-1" y="-2"/>
+                <a:ext cx="4140004" cy="814959"/>
               </a:xfrm>
               <a:prstGeom prst="rect">
                 <a:avLst/>
@@ -3654,8 +3671,8 @@
         </p:nvSpPr>
         <p:spPr>
           <a:xfrm>
-            <a:off x="460800" y="3165301"/>
-            <a:ext cx="12052800" cy="1494001"/>
+            <a:off x="460800" y="3165300"/>
+            <a:ext cx="12052800" cy="1494002"/>
           </a:xfrm>
           <a:prstGeom prst="rect">
             <a:avLst/>
@@ -3670,25 +3687,25 @@
               <a:buNone/>
               <a:defRPr sz="2400"/>
             </a:lvl1pPr>
-            <a:lvl2pPr marL="0" indent="457200" algn="ctr">
+            <a:lvl2pPr marL="0" indent="0" algn="ctr">
               <a:buClrTx/>
               <a:buSzTx/>
               <a:buNone/>
               <a:defRPr sz="2400"/>
             </a:lvl2pPr>
-            <a:lvl3pPr marL="0" indent="914400" algn="ctr">
+            <a:lvl3pPr marL="0" indent="0" algn="ctr">
               <a:buClrTx/>
               <a:buSzTx/>
               <a:buNone/>
               <a:defRPr sz="2400"/>
             </a:lvl3pPr>
-            <a:lvl4pPr marL="0" indent="1371600" algn="ctr">
+            <a:lvl4pPr marL="0" indent="0" algn="ctr">
               <a:buClrTx/>
               <a:buSzTx/>
               <a:buNone/>
               <a:defRPr sz="2400"/>
             </a:lvl4pPr>
-            <a:lvl5pPr marL="0" indent="1828800" algn="ctr">
+            <a:lvl5pPr marL="0" indent="0" algn="ctr">
               <a:buClrTx/>
               <a:buSzTx/>
               <a:buNone/>
@@ -3729,7 +3746,7 @@
       </p:sp>
       <p:pic>
         <p:nvPicPr>
-          <p:cNvPr id="133" name="image3.jpg"/>
+          <p:cNvPr id="133" name="image1.jpeg"/>
           <p:cNvPicPr>
             <a:picLocks noChangeAspect="1"/>
           </p:cNvPicPr>
@@ -3746,7 +3763,7 @@
         <p:spPr>
           <a:xfrm>
             <a:off x="11442530" y="8153889"/>
-            <a:ext cx="1311127" cy="876269"/>
+            <a:ext cx="1311128" cy="876270"/>
           </a:xfrm>
           <a:prstGeom prst="rect">
             <a:avLst/>
@@ -3758,7 +3775,7 @@
       </p:pic>
       <p:pic>
         <p:nvPicPr>
-          <p:cNvPr id="134" name="image8.pdf"/>
+          <p:cNvPr id="134" name="image7.png"/>
           <p:cNvPicPr>
             <a:picLocks noChangeAspect="1"/>
           </p:cNvPicPr>
@@ -3775,7 +3792,7 @@
         <p:spPr>
           <a:xfrm>
             <a:off x="352017" y="8153889"/>
-            <a:ext cx="951429" cy="1055564"/>
+            <a:ext cx="951430" cy="1055565"/>
           </a:xfrm>
           <a:prstGeom prst="rect">
             <a:avLst/>
@@ -3793,8 +3810,8 @@
         </p:nvSpPr>
         <p:spPr>
           <a:xfrm>
-            <a:off x="144598" y="8136643"/>
-            <a:ext cx="12609059" cy="706222"/>
+            <a:off x="144597" y="8136642"/>
+            <a:ext cx="12609061" cy="706223"/>
           </a:xfrm>
           <a:prstGeom prst="rect">
             <a:avLst/>
@@ -3819,6 +3836,10 @@
                 <a:solidFill>
                   <a:srgbClr val="686F76"/>
                 </a:solidFill>
+                <a:latin typeface="Helvetica Neue"/>
+                <a:ea typeface="Helvetica Neue"/>
+                <a:cs typeface="Helvetica Neue"/>
+                <a:sym typeface="Helvetica Neue"/>
               </a:defRPr>
             </a:pPr>
             <a:r>
@@ -3831,6 +3852,10 @@
                 <a:solidFill>
                   <a:srgbClr val="686F76"/>
                 </a:solidFill>
+                <a:latin typeface="Helvetica Neue"/>
+                <a:ea typeface="Helvetica Neue"/>
+                <a:cs typeface="Helvetica Neue"/>
+                <a:sym typeface="Helvetica Neue"/>
               </a:defRPr>
             </a:pPr>
             <a:r>
@@ -3843,6 +3868,10 @@
                 <a:solidFill>
                   <a:srgbClr val="686F76"/>
                 </a:solidFill>
+                <a:latin typeface="Helvetica Neue"/>
+                <a:ea typeface="Helvetica Neue"/>
+                <a:cs typeface="Helvetica Neue"/>
+                <a:sym typeface="Helvetica Neue"/>
               </a:defRPr>
             </a:pPr>
             <a:r>
@@ -3859,8 +3888,8 @@
         </p:nvSpPr>
         <p:spPr>
           <a:xfrm>
-            <a:off x="144598" y="9034240"/>
-            <a:ext cx="12609059" cy="492863"/>
+            <a:off x="144597" y="9034240"/>
+            <a:ext cx="12609061" cy="492860"/>
           </a:xfrm>
           <a:prstGeom prst="rect">
             <a:avLst/>
@@ -3875,7 +3904,7 @@
           </a:extLst>
         </p:spPr>
         <p:txBody>
-          <a:bodyPr lIns="45719" rIns="45719">
+          <a:bodyPr lIns="45718" tIns="45718" rIns="45718" bIns="45718">
             <a:spAutoFit/>
           </a:bodyPr>
           <a:lstStyle/>
@@ -3885,6 +3914,10 @@
                 <a:solidFill>
                   <a:srgbClr val="686F76"/>
                 </a:solidFill>
+                <a:latin typeface="Helvetica Neue"/>
+                <a:ea typeface="Helvetica Neue"/>
+                <a:cs typeface="Helvetica Neue"/>
+                <a:sym typeface="Helvetica Neue"/>
               </a:defRPr>
             </a:pPr>
             <a:r>
@@ -3897,6 +3930,10 @@
                 <a:solidFill>
                   <a:srgbClr val="686F76"/>
                 </a:solidFill>
+                <a:latin typeface="Helvetica Neue"/>
+                <a:ea typeface="Helvetica Neue"/>
+                <a:cs typeface="Helvetica Neue"/>
+                <a:sym typeface="Helvetica Neue"/>
               </a:defRPr>
             </a:pPr>
             <a:r>
@@ -3915,8 +3952,8 @@
         </p:nvSpPr>
         <p:spPr>
           <a:xfrm>
-            <a:off x="7802879" y="8779791"/>
-            <a:ext cx="3034454" cy="520701"/>
+            <a:off x="9155057" y="8882967"/>
+            <a:ext cx="330097" cy="314349"/>
           </a:xfrm>
           <a:prstGeom prst="rect">
             <a:avLst/>
@@ -3968,7 +4005,7 @@
         <p:spPr>
           <a:xfrm>
             <a:off x="460587" y="882793"/>
-            <a:ext cx="9900001" cy="1382402"/>
+            <a:ext cx="9900002" cy="1382402"/>
           </a:xfrm>
           <a:prstGeom prst="rect">
             <a:avLst/>
@@ -4106,8 +4143,8 @@
         </p:blipFill>
         <p:spPr>
           <a:xfrm>
-            <a:off x="525735" y="8981255"/>
-            <a:ext cx="1265302" cy="478347"/>
+            <a:off x="525735" y="8981254"/>
+            <a:ext cx="1265303" cy="478348"/>
           </a:xfrm>
           <a:prstGeom prst="rect">
             <a:avLst/>
@@ -4125,8 +4162,8 @@
         </p:nvSpPr>
         <p:spPr>
           <a:xfrm>
-            <a:off x="3478064" y="9148030"/>
-            <a:ext cx="8064896" cy="314351"/>
+            <a:off x="3478064" y="9148029"/>
+            <a:ext cx="8064897" cy="314350"/>
           </a:xfrm>
           <a:prstGeom prst="rect">
             <a:avLst/>
@@ -4141,7 +4178,7 @@
           </a:extLst>
         </p:spPr>
         <p:txBody>
-          <a:bodyPr lIns="45719" rIns="45719" anchor="ctr">
+          <a:bodyPr lIns="45718" tIns="45718" rIns="45718" bIns="45718" anchor="ctr">
             <a:normAutofit fontScale="100000" lnSpcReduction="0"/>
           </a:bodyPr>
           <a:lstStyle>
@@ -4156,6 +4193,10 @@
                 <a:solidFill>
                   <a:srgbClr val="686F76"/>
                 </a:solidFill>
+                <a:latin typeface="Helvetica Neue"/>
+                <a:ea typeface="Helvetica Neue"/>
+                <a:cs typeface="Helvetica Neue"/>
+                <a:sym typeface="Helvetica Neue"/>
               </a:defRPr>
             </a:lvl1pPr>
           </a:lstStyle>
@@ -4170,6 +4211,71 @@
       <p:sp>
         <p:nvSpPr>
           <p:cNvPr id="4" name="Shape 4"/>
+          <p:cNvSpPr/>
+          <p:nvPr/>
+        </p:nvSpPr>
+        <p:spPr>
+          <a:xfrm>
+            <a:off x="453728" y="844359"/>
+            <a:ext cx="10162394" cy="45721"/>
+          </a:xfrm>
+          <a:prstGeom prst="rect">
+            <a:avLst/>
+          </a:prstGeom>
+          <a:solidFill>
+            <a:srgbClr val="000000"/>
+          </a:solidFill>
+          <a:ln w="12700">
+            <a:miter lim="400000"/>
+          </a:ln>
+        </p:spPr>
+        <p:txBody>
+          <a:bodyPr lIns="38100" tIns="38100" rIns="38100" bIns="38100" anchor="ctr"/>
+          <a:lstStyle/>
+          <a:p>
+            <a:pPr algn="ctr" defTabSz="825500">
+              <a:defRPr>
+                <a:solidFill>
+                  <a:srgbClr val="FFFFFF"/>
+                </a:solidFill>
+                <a:uFillTx/>
+              </a:defRPr>
+            </a:pPr>
+          </a:p>
+        </p:txBody>
+      </p:sp>
+      <p:pic>
+        <p:nvPicPr>
+          <p:cNvPr id="5" name="image2.png"/>
+          <p:cNvPicPr>
+            <a:picLocks noChangeAspect="1"/>
+          </p:cNvPicPr>
+          <p:nvPr/>
+        </p:nvPicPr>
+        <p:blipFill>
+          <a:blip r:embed="rId3">
+            <a:extLst/>
+          </a:blip>
+          <a:stretch>
+            <a:fillRect/>
+          </a:stretch>
+        </p:blipFill>
+        <p:spPr>
+          <a:xfrm>
+            <a:off x="10717200" y="847527"/>
+            <a:ext cx="1868636" cy="1220963"/>
+          </a:xfrm>
+          <a:prstGeom prst="rect">
+            <a:avLst/>
+          </a:prstGeom>
+          <a:ln w="12700">
+            <a:miter lim="400000"/>
+          </a:ln>
+        </p:spPr>
+      </p:pic>
+      <p:sp>
+        <p:nvSpPr>
+          <p:cNvPr id="6" name="Shape 6"/>
           <p:cNvSpPr/>
           <p:nvPr>
             <p:ph type="title"/>
@@ -4178,7 +4284,7 @@
         <p:spPr>
           <a:xfrm>
             <a:off x="460587" y="908193"/>
-            <a:ext cx="9900001" cy="1382402"/>
+            <a:ext cx="9900002" cy="1382402"/>
           </a:xfrm>
           <a:prstGeom prst="rect">
             <a:avLst/>
@@ -4207,75 +4313,6 @@
       </p:sp>
       <p:sp>
         <p:nvSpPr>
-          <p:cNvPr id="5" name="Shape 5"/>
-          <p:cNvSpPr/>
-          <p:nvPr/>
-        </p:nvSpPr>
-        <p:spPr>
-          <a:xfrm>
-            <a:off x="453728" y="844359"/>
-            <a:ext cx="10162394" cy="45720"/>
-          </a:xfrm>
-          <a:prstGeom prst="rect">
-            <a:avLst/>
-          </a:prstGeom>
-          <a:solidFill>
-            <a:srgbClr val="000000"/>
-          </a:solidFill>
-          <a:ln w="12700">
-            <a:miter lim="400000"/>
-          </a:ln>
-        </p:spPr>
-        <p:txBody>
-          <a:bodyPr lIns="38100" tIns="38100" rIns="38100" bIns="38100" anchor="ctr"/>
-          <a:lstStyle/>
-          <a:p>
-            <a:pPr algn="ctr" defTabSz="825500">
-              <a:defRPr>
-                <a:solidFill>
-                  <a:srgbClr val="FFFFFF"/>
-                </a:solidFill>
-                <a:uFillTx/>
-                <a:latin typeface="+mn-lt"/>
-                <a:ea typeface="+mn-ea"/>
-                <a:cs typeface="+mn-cs"/>
-                <a:sym typeface="Arial"/>
-              </a:defRPr>
-            </a:pPr>
-          </a:p>
-        </p:txBody>
-      </p:sp>
-      <p:pic>
-        <p:nvPicPr>
-          <p:cNvPr id="6" name="image8.png"/>
-          <p:cNvPicPr>
-            <a:picLocks noChangeAspect="1"/>
-          </p:cNvPicPr>
-          <p:nvPr/>
-        </p:nvPicPr>
-        <p:blipFill>
-          <a:blip r:embed="rId3">
-            <a:extLst/>
-          </a:blip>
-          <a:stretch>
-            <a:fillRect/>
-          </a:stretch>
-        </p:blipFill>
-        <p:spPr>
-          <a:xfrm>
-            <a:off x="10717200" y="847527"/>
-            <a:ext cx="1868635" cy="1220962"/>
-          </a:xfrm>
-          <a:prstGeom prst="rect">
-            <a:avLst/>
-          </a:prstGeom>
-          <a:ln w="12700">
-            <a:miter lim="400000"/>
-          </a:ln>
-        </p:spPr>
-      </p:pic>
-      <p:sp>
-        <p:nvSpPr>
           <p:cNvPr id="7" name="Shape 7"/>
           <p:cNvSpPr/>
           <p:nvPr>
@@ -4285,7 +4322,7 @@
         <p:spPr>
           <a:xfrm>
             <a:off x="460587" y="2750972"/>
-            <a:ext cx="12052882" cy="6158078"/>
+            <a:ext cx="12052883" cy="6158078"/>
           </a:xfrm>
           <a:prstGeom prst="rect">
             <a:avLst/>
@@ -4300,7 +4337,7 @@
           </a:extLst>
         </p:spPr>
         <p:txBody>
-          <a:bodyPr lIns="45719" rIns="45719">
+          <a:bodyPr lIns="45718" tIns="45718" rIns="45718" bIns="45718">
             <a:normAutofit fontScale="100000" lnSpcReduction="0"/>
           </a:bodyPr>
           <a:lstStyle/>
@@ -4346,8 +4383,8 @@
         </p:nvSpPr>
         <p:spPr>
           <a:xfrm>
-            <a:off x="11969279" y="9148030"/>
-            <a:ext cx="330100" cy="314351"/>
+            <a:off x="11969280" y="9148031"/>
+            <a:ext cx="330097" cy="314349"/>
           </a:xfrm>
           <a:prstGeom prst="rect">
             <a:avLst/>
@@ -4357,7 +4394,7 @@
           </a:ln>
         </p:spPr>
         <p:txBody>
-          <a:bodyPr wrap="none" lIns="45719" rIns="45719" anchor="ctr">
+          <a:bodyPr wrap="none" lIns="45718" tIns="45718" rIns="45718" bIns="45718" anchor="ctr">
             <a:spAutoFit/>
           </a:bodyPr>
           <a:lstStyle>
@@ -4366,6 +4403,10 @@
                 <a:solidFill>
                   <a:srgbClr val="686F76"/>
                 </a:solidFill>
+                <a:latin typeface="Helvetica Neue"/>
+                <a:ea typeface="Helvetica Neue"/>
+                <a:cs typeface="Helvetica Neue"/>
+                <a:sym typeface="Helvetica Neue"/>
               </a:defRPr>
             </a:lvl1pPr>
           </a:lstStyle>
@@ -4726,7 +4767,7 @@
           <a:sym typeface="Helvetica Neue"/>
         </a:defRPr>
       </a:lvl1pPr>
-      <a:lvl2pPr marL="832543" marR="0" indent="-470593" algn="l" defTabSz="1295400" rtl="0" latinLnBrk="0">
+      <a:lvl2pPr marL="832542" marR="0" indent="-470592" algn="l" defTabSz="1295400" rtl="0" latinLnBrk="0">
         <a:lnSpc>
           <a:spcPct val="120000"/>
         </a:lnSpc>
@@ -4761,7 +4802,7 @@
           <a:sym typeface="Helvetica Neue"/>
         </a:defRPr>
       </a:lvl2pPr>
-      <a:lvl3pPr marL="1105126" marR="0" indent="-478064" algn="l" defTabSz="1295400" rtl="0" latinLnBrk="0">
+      <a:lvl3pPr marL="1105125" marR="0" indent="-478063" algn="l" defTabSz="1295400" rtl="0" latinLnBrk="0">
         <a:lnSpc>
           <a:spcPct val="120000"/>
         </a:lnSpc>
@@ -4831,7 +4872,7 @@
           <a:sym typeface="Helvetica Neue"/>
         </a:defRPr>
       </a:lvl4pPr>
-      <a:lvl5pPr marL="1519525" marR="0" indent="-441613" algn="l" defTabSz="1295400" rtl="0" latinLnBrk="0">
+      <a:lvl5pPr marL="1519524" marR="0" indent="-441613" algn="l" defTabSz="1295400" rtl="0" latinLnBrk="0">
         <a:lnSpc>
           <a:spcPct val="120000"/>
         </a:lnSpc>
@@ -5336,6 +5377,10 @@
           </p:nvPr>
         </p:nvSpPr>
         <p:spPr>
+          <a:xfrm>
+            <a:off x="460800" y="700337"/>
+            <a:ext cx="12052801" cy="2255928"/>
+          </a:xfrm>
           <a:prstGeom prst="rect">
             <a:avLst/>
           </a:prstGeom>
@@ -5360,6 +5405,10 @@
           </p:nvPr>
         </p:nvSpPr>
         <p:spPr>
+          <a:xfrm>
+            <a:off x="460800" y="3165300"/>
+            <a:ext cx="12052801" cy="1495476"/>
+          </a:xfrm>
           <a:prstGeom prst="rect">
             <a:avLst/>
           </a:prstGeom>
@@ -5431,23 +5480,7 @@
           <a:bodyPr/>
           <a:lstStyle/>
           <a:p>
-            <a:pPr defTabSz="842009">
-              <a:defRPr sz="2600"/>
-            </a:pPr>
-            <a:r>
-              <a:t>T3.1: Use Case Analysis and Requirement Definition (M1 - M6)</a:t>
-            </a:r>
-            <a:br/>
-            <a:r>
-              <a:rPr b="0" i="1" sz="1819"/>
-              <a:t>Participants: ETH, TID, ZHAW, ALU</a:t>
-            </a:r>
-            <a:br>
-              <a:rPr b="0" i="1" sz="1819"/>
-            </a:br>
-            <a:br>
-              <a:rPr b="0" i="1" sz="1819"/>
-            </a:br>
+            <a:pPr/>
           </a:p>
         </p:txBody>
       </p:sp>
@@ -5460,10 +5493,6 @@
           </p:nvPr>
         </p:nvSpPr>
         <p:spPr>
-          <a:xfrm>
-            <a:off x="460586" y="2750972"/>
-            <a:ext cx="12052883" cy="6158079"/>
-          </a:xfrm>
           <a:prstGeom prst="rect">
             <a:avLst/>
           </a:prstGeom>
@@ -5472,260 +5501,7 @@
           <a:bodyPr/>
           <a:lstStyle/>
           <a:p>
-            <a:pPr marL="426720" indent="-426720" defTabSz="1088136">
-              <a:spcBef>
-                <a:spcPts val="500"/>
-              </a:spcBef>
-              <a:defRPr sz="2856"/>
-            </a:pPr>
-            <a:r>
-              <a:t>Performing a detailed analysis of a set of use cases for MCP</a:t>
-            </a:r>
-          </a:p>
-          <a:p>
-            <a:pPr marL="426720" indent="-426720" defTabSz="1088136">
-              <a:spcBef>
-                <a:spcPts val="500"/>
-              </a:spcBef>
-              <a:defRPr sz="2856"/>
-            </a:pPr>
-            <a:r>
-              <a:t>Developing the use cases:</a:t>
-            </a:r>
-            <a:endParaRPr sz="2688"/>
-          </a:p>
-          <a:p>
-            <a:pPr lvl="1" marL="676084" indent="-372046" defTabSz="1088136">
-              <a:spcBef>
-                <a:spcPts val="500"/>
-              </a:spcBef>
-              <a:defRPr sz="2351"/>
-            </a:pPr>
-            <a:r>
-              <a:t>Low-Latency Support</a:t>
-            </a:r>
-          </a:p>
-          <a:p>
-            <a:pPr lvl="1" marL="676084" indent="-372046" defTabSz="1088136">
-              <a:spcBef>
-                <a:spcPts val="500"/>
-              </a:spcBef>
-              <a:defRPr sz="2351"/>
-            </a:pPr>
-            <a:r>
-              <a:t>Privacy Protection Gateway</a:t>
-            </a:r>
-          </a:p>
-          <a:p>
-            <a:pPr lvl="1" marL="676084" indent="-372046" defTabSz="1088136">
-              <a:spcBef>
-                <a:spcPts val="500"/>
-              </a:spcBef>
-              <a:defRPr sz="2351"/>
-            </a:pPr>
-            <a:r>
-              <a:t>Congestion Management in Mobile Networks</a:t>
-            </a:r>
-          </a:p>
-          <a:p>
-            <a:pPr lvl="1" marL="676084" indent="-372046" defTabSz="1088136">
-              <a:spcBef>
-                <a:spcPts val="500"/>
-              </a:spcBef>
-              <a:defRPr sz="2351"/>
-            </a:pPr>
-            <a:r>
-              <a:t>optional: Multipath TCP Proxy</a:t>
-            </a:r>
-            <a:endParaRPr sz="2520"/>
-          </a:p>
-          <a:p>
-            <a:pPr marL="426720" indent="-426720" defTabSz="1088136">
-              <a:spcBef>
-                <a:spcPts val="500"/>
-              </a:spcBef>
-              <a:defRPr sz="2856"/>
-            </a:pPr>
-            <a:r>
-              <a:t>Contributing to standards:</a:t>
-            </a:r>
-            <a:endParaRPr sz="2688"/>
-          </a:p>
-          <a:p>
-            <a:pPr lvl="1" marL="676084" indent="-372046" defTabSz="1088136">
-              <a:spcBef>
-                <a:spcPts val="500"/>
-              </a:spcBef>
-              <a:defRPr sz="2351"/>
-            </a:pPr>
-            <a:r>
-              <a:rPr u="sng">
-                <a:solidFill>
-                  <a:srgbClr val="0000FF"/>
-                </a:solidFill>
-                <a:uFill>
-                  <a:solidFill>
-                    <a:srgbClr val="0000FF"/>
-                  </a:solidFill>
-                </a:uFill>
-                <a:hlinkClick r:id="rId2" invalidUrl="" action="" tgtFrame="" tooltip="" history="1" highlightClick="0" endSnd="0"/>
-              </a:rPr>
-              <a:t>https://tools.ietf.org/html/draft-kuehlewind-spud-use-cases-00</a:t>
-            </a:r>
-            <a:r>
-              <a:t> </a:t>
-            </a:r>
-          </a:p>
-          <a:p>
-            <a:pPr lvl="1" marL="676084" indent="-372046" defTabSz="1088136">
-              <a:spcBef>
-                <a:spcPts val="500"/>
-              </a:spcBef>
-              <a:defRPr sz="2351"/>
-            </a:pPr>
-            <a:r>
-              <a:rPr u="sng">
-                <a:solidFill>
-                  <a:srgbClr val="0000FF"/>
-                </a:solidFill>
-                <a:uFill>
-                  <a:solidFill>
-                    <a:srgbClr val="0000FF"/>
-                  </a:solidFill>
-                </a:uFill>
-                <a:hlinkClick r:id="rId3" invalidUrl="" action="" tgtFrame="" tooltip="" history="1" highlightClick="0" endSnd="0"/>
-              </a:rPr>
-              <a:t>https://tools.ietf.org/html/draft-trammell-spud-req-01</a:t>
-            </a:r>
-            <a:r>
-              <a:t> </a:t>
-            </a:r>
-          </a:p>
-          <a:p>
-            <a:pPr lvl="1" marL="676084" indent="-372046" defTabSz="1088136">
-              <a:spcBef>
-                <a:spcPts val="500"/>
-              </a:spcBef>
-              <a:defRPr sz="2351"/>
-            </a:pPr>
-            <a:r>
-              <a:rPr u="sng">
-                <a:solidFill>
-                  <a:srgbClr val="0000FF"/>
-                </a:solidFill>
-                <a:uFill>
-                  <a:solidFill>
-                    <a:srgbClr val="0000FF"/>
-                  </a:solidFill>
-                </a:uFill>
-                <a:hlinkClick r:id="rId4" invalidUrl="" action="" tgtFrame="" tooltip="" history="1" highlightClick="0" endSnd="0"/>
-              </a:rPr>
-              <a:t>https://</a:t>
-            </a:r>
-            <a:r>
-              <a:rPr u="sng">
-                <a:solidFill>
-                  <a:srgbClr val="0000FF"/>
-                </a:solidFill>
-                <a:uFill>
-                  <a:solidFill>
-                    <a:srgbClr val="0000FF"/>
-                  </a:solidFill>
-                </a:uFill>
-                <a:hlinkClick r:id="rId4" invalidUrl="" action="" tgtFrame="" tooltip="" history="1" highlightClick="0" endSnd="0"/>
-              </a:rPr>
-              <a:t>tools.ietf.org/html/draft-trammell-stackevo-explicit-coop-00</a:t>
-            </a:r>
-            <a:r>
-              <a:t> </a:t>
-            </a:r>
-            <a:endParaRPr sz="2435"/>
-          </a:p>
-          <a:p>
-            <a:pPr lvl="1" marL="730757" indent="-426719" defTabSz="1088136">
-              <a:spcBef>
-                <a:spcPts val="500"/>
-              </a:spcBef>
-              <a:defRPr sz="2351"/>
-            </a:pPr>
-            <a:r>
-              <a:t>The use cases and requirements documents are to be updated in the next weeks (before the IETF cut-off on Mar 28)</a:t>
-            </a:r>
-          </a:p>
-        </p:txBody>
-      </p:sp>
-      <p:sp>
-        <p:nvSpPr>
-          <p:cNvPr id="160" name="Shape 160"/>
-          <p:cNvSpPr/>
-          <p:nvPr/>
-        </p:nvSpPr>
-        <p:spPr>
-          <a:xfrm>
-            <a:off x="2010036" y="9148030"/>
-            <a:ext cx="1260002" cy="314352"/>
-          </a:xfrm>
-          <a:prstGeom prst="rect">
-            <a:avLst/>
-          </a:prstGeom>
-          <a:ln w="12700">
-            <a:miter lim="400000"/>
-          </a:ln>
-          <a:extLst>
-            <a:ext uri="{C572A759-6A51-4108-AA02-DFA0A04FC94B}">
-              <ma14:wrappingTextBoxFlag xmlns:ma14="http://schemas.microsoft.com/office/mac/drawingml/2011/main" val="1"/>
-            </a:ext>
-          </a:extLst>
-        </p:spPr>
-        <p:txBody>
-          <a:bodyPr lIns="45719" rIns="45719" anchor="ctr">
-            <a:spAutoFit/>
-          </a:bodyPr>
-          <a:lstStyle>
-            <a:lvl1pPr>
-              <a:defRPr sz="1600">
-                <a:solidFill>
-                  <a:srgbClr val="686F76"/>
-                </a:solidFill>
-              </a:defRPr>
-            </a:lvl1pPr>
-          </a:lstStyle>
-          <a:p>
             <a:pPr/>
-            <a:r>
-              <a:t>3/2/2016</a:t>
-            </a:r>
-          </a:p>
-        </p:txBody>
-      </p:sp>
-      <p:sp>
-        <p:nvSpPr>
-          <p:cNvPr id="161" name="Shape 161"/>
-          <p:cNvSpPr/>
-          <p:nvPr>
-            <p:ph type="sldNum" sz="quarter" idx="2"/>
-          </p:nvPr>
-        </p:nvSpPr>
-        <p:spPr>
-          <a:xfrm>
-            <a:off x="12025769" y="9148030"/>
-            <a:ext cx="217120" cy="314352"/>
-          </a:xfrm>
-          <a:prstGeom prst="rect">
-            <a:avLst/>
-          </a:prstGeom>
-          <a:extLst>
-            <a:ext uri="{C572A759-6A51-4108-AA02-DFA0A04FC94B}">
-              <ma14:wrappingTextBoxFlag xmlns:ma14="http://schemas.microsoft.com/office/mac/drawingml/2011/main" val="1"/>
-            </a:ext>
-          </a:extLst>
-        </p:spPr>
-        <p:txBody>
-          <a:bodyPr/>
-          <a:lstStyle/>
-          <a:p>
-            <a:pPr/>
-            <a:fld id="{86CB4B4D-7CA3-9044-876B-883B54F8677D}" type="slidenum"/>
           </a:p>
         </p:txBody>
       </p:sp>
@@ -5757,53 +5533,16 @@
       </p:grpSpPr>
       <p:sp>
         <p:nvSpPr>
-          <p:cNvPr id="163" name="Shape 163"/>
+          <p:cNvPr id="161" name="Shape 161"/>
           <p:cNvSpPr/>
           <p:nvPr>
             <p:ph type="title"/>
           </p:nvPr>
         </p:nvSpPr>
         <p:spPr>
-          <a:prstGeom prst="rect">
-            <a:avLst/>
-          </a:prstGeom>
-        </p:spPr>
-        <p:txBody>
-          <a:bodyPr/>
-          <a:lstStyle/>
-          <a:p>
-            <a:pPr defTabSz="751331">
-              <a:defRPr sz="2320"/>
-            </a:pPr>
-            <a:r>
-              <a:t>T3.5: Threat and Trust Analysis for Middlebox Cooperation (M1 - M30)</a:t>
-            </a:r>
-            <a:br/>
-            <a:r>
-              <a:rPr b="0" i="1" sz="1624"/>
-              <a:t>Participants: TID, ALU, ZHAW</a:t>
-            </a:r>
-            <a:br>
-              <a:rPr b="0" i="1" sz="1624"/>
-            </a:br>
-            <a:br>
-              <a:rPr b="0" i="1" sz="1624"/>
-            </a:br>
-          </a:p>
-        </p:txBody>
-      </p:sp>
-      <p:sp>
-        <p:nvSpPr>
-          <p:cNvPr id="164" name="Shape 164"/>
-          <p:cNvSpPr/>
-          <p:nvPr>
-            <p:ph type="body" idx="1"/>
-          </p:nvPr>
-        </p:nvSpPr>
-        <p:spPr>
           <a:xfrm>
-            <a:off x="460586" y="2750972"/>
-            <a:ext cx="12052883" cy="6158079"/>
+            <a:off x="460586" y="908192"/>
+            <a:ext cx="9900003" cy="1382404"/>
           </a:xfrm>
           <a:prstGeom prst="rect">
             <a:avLst/>
@@ -5813,66 +5552,266 @@
           <a:bodyPr/>
           <a:lstStyle/>
           <a:p>
-            <a:pPr/>
-            <a:r>
-              <a:t>Developing a threat model to investigate confidentiality, integrity, authentication and trust issues</a:t>
-            </a:r>
-          </a:p>
-          <a:p>
-            <a:pPr/>
-            <a:r>
-              <a:t>Exploring security mechanisms and their applicability:</a:t>
-            </a:r>
-          </a:p>
-          <a:p>
-            <a:pPr lvl="1" marL="804862" indent="-442912">
-              <a:defRPr sz="2800"/>
+            <a:pPr defTabSz="757808">
+              <a:defRPr sz="2340"/>
             </a:pPr>
             <a:r>
-              <a:t>EFGH – presented at Hot Middlebox 2015</a:t>
-            </a:r>
-          </a:p>
-          <a:p>
-            <a:pPr lvl="1" marL="804862" indent="-442912">
-              <a:defRPr sz="2800"/>
-            </a:pPr>
-            <a:r>
-              <a:t>Multi-Context TLS (mcTLS) – presented at Sigcomm 2015</a:t>
-            </a:r>
-            <a:endParaRPr sz="2600"/>
-          </a:p>
-          <a:p>
-            <a:pPr/>
-            <a:r>
-              <a:t>Providing input to D3.1 (M6)</a:t>
-            </a:r>
-          </a:p>
-          <a:p>
-            <a:pPr/>
-            <a:r>
-              <a:t>Later, producing a security analysis of MCP including an investigation of how hard it will be to subvert</a:t>
-            </a:r>
-          </a:p>
-          <a:p>
-            <a:pPr lvl="1" marL="869950" indent="-508000">
-              <a:defRPr sz="2800"/>
-            </a:pPr>
-            <a:r>
-              <a:t>Red team analysis of MCP and flexible transport layer (MS8)</a:t>
+              <a:rPr sz="3420"/>
+              <a:t>T3.1: Use Case Analysis and </a:t>
+            </a:r>
+            <a:br>
+              <a:rPr sz="3420"/>
+            </a:br>
+            <a:r>
+              <a:rPr sz="3420"/>
+              <a:t>Requirement Definition (M1 - M6)</a:t>
+            </a:r>
+            <a:br/>
+            <a:r>
+              <a:rPr b="0" i="1" sz="1619"/>
+              <a:t>Participants: ETH, TID, ZHAW, ALU</a:t>
             </a:r>
           </a:p>
         </p:txBody>
       </p:sp>
       <p:sp>
         <p:nvSpPr>
-          <p:cNvPr id="165" name="Shape 165"/>
+          <p:cNvPr id="162" name="Shape 162"/>
+          <p:cNvSpPr/>
+          <p:nvPr>
+            <p:ph type="body" idx="1"/>
+          </p:nvPr>
+        </p:nvSpPr>
+        <p:spPr>
+          <a:xfrm>
+            <a:off x="460586" y="2750971"/>
+            <a:ext cx="12052883" cy="6158081"/>
+          </a:xfrm>
+          <a:prstGeom prst="rect">
+            <a:avLst/>
+          </a:prstGeom>
+        </p:spPr>
+        <p:txBody>
+          <a:bodyPr/>
+          <a:lstStyle/>
+          <a:p>
+            <a:pPr marL="426719" indent="-426719" defTabSz="1088136">
+              <a:spcBef>
+                <a:spcPts val="500"/>
+              </a:spcBef>
+              <a:defRPr sz="2800"/>
+            </a:pPr>
+            <a:r>
+              <a:t>Performing a detailed analysis of a set of use cases for MCP</a:t>
+            </a:r>
+          </a:p>
+          <a:p>
+            <a:pPr marL="426719" indent="-426719" defTabSz="1088136">
+              <a:spcBef>
+                <a:spcPts val="500"/>
+              </a:spcBef>
+              <a:defRPr sz="2800"/>
+            </a:pPr>
+            <a:r>
+              <a:t>Developing the use cases:</a:t>
+            </a:r>
+            <a:endParaRPr sz="2600"/>
+          </a:p>
+          <a:p>
+            <a:pPr lvl="1" marL="676084" indent="-372045" defTabSz="1088136">
+              <a:spcBef>
+                <a:spcPts val="500"/>
+              </a:spcBef>
+              <a:defRPr sz="2300"/>
+            </a:pPr>
+            <a:r>
+              <a:t>Low-Latency Support</a:t>
+            </a:r>
+          </a:p>
+          <a:p>
+            <a:pPr lvl="1" marL="676084" indent="-372045" defTabSz="1088136">
+              <a:spcBef>
+                <a:spcPts val="500"/>
+              </a:spcBef>
+              <a:defRPr sz="2300"/>
+            </a:pPr>
+            <a:r>
+              <a:t>Privacy Protection Gateway</a:t>
+            </a:r>
+          </a:p>
+          <a:p>
+            <a:pPr lvl="1" marL="676084" indent="-372045" defTabSz="1088136">
+              <a:spcBef>
+                <a:spcPts val="500"/>
+              </a:spcBef>
+              <a:defRPr sz="2300"/>
+            </a:pPr>
+            <a:r>
+              <a:t>Congestion Management in Mobile Networks</a:t>
+            </a:r>
+          </a:p>
+          <a:p>
+            <a:pPr lvl="1" marL="676084" indent="-372045" defTabSz="1088136">
+              <a:spcBef>
+                <a:spcPts val="500"/>
+              </a:spcBef>
+              <a:defRPr sz="2300"/>
+            </a:pPr>
+            <a:r>
+              <a:t>optional: Multipath TCP Proxy</a:t>
+            </a:r>
+            <a:endParaRPr sz="2500"/>
+          </a:p>
+          <a:p>
+            <a:pPr marL="426719" indent="-426719" defTabSz="1088136">
+              <a:spcBef>
+                <a:spcPts val="500"/>
+              </a:spcBef>
+              <a:defRPr sz="2800"/>
+            </a:pPr>
+            <a:r>
+              <a:t>Contributing to standards:</a:t>
+            </a:r>
+            <a:endParaRPr sz="2600"/>
+          </a:p>
+          <a:p>
+            <a:pPr lvl="1" marL="676084" indent="-372045" defTabSz="1088136">
+              <a:spcBef>
+                <a:spcPts val="500"/>
+              </a:spcBef>
+              <a:defRPr sz="2300" u="sng">
+                <a:solidFill>
+                  <a:srgbClr val="0000FF"/>
+                </a:solidFill>
+                <a:uFill>
+                  <a:solidFill>
+                    <a:srgbClr val="0000FF"/>
+                  </a:solidFill>
+                </a:uFill>
+              </a:defRPr>
+            </a:pPr>
+            <a:r>
+              <a:rPr>
+                <a:hlinkClick r:id="rId2" invalidUrl="" action="" tgtFrame="" tooltip="" history="1" highlightClick="0" endSnd="0"/>
+              </a:rPr>
+              <a:t>https://tools.ietf.org/html/draft-kuehlewind-spud-use-cases-00</a:t>
+            </a:r>
+            <a:r>
+              <a:rPr u="none">
+                <a:solidFill>
+                  <a:srgbClr val="000000"/>
+                </a:solidFill>
+                <a:uFill>
+                  <a:solidFill>
+                    <a:srgbClr val="000000"/>
+                  </a:solidFill>
+                </a:uFill>
+              </a:rPr>
+              <a:t> </a:t>
+            </a:r>
+          </a:p>
+          <a:p>
+            <a:pPr lvl="1" marL="676084" indent="-372045" defTabSz="1088136">
+              <a:spcBef>
+                <a:spcPts val="500"/>
+              </a:spcBef>
+              <a:defRPr sz="2300" u="sng">
+                <a:solidFill>
+                  <a:srgbClr val="0000FF"/>
+                </a:solidFill>
+                <a:uFill>
+                  <a:solidFill>
+                    <a:srgbClr val="0000FF"/>
+                  </a:solidFill>
+                </a:uFill>
+              </a:defRPr>
+            </a:pPr>
+            <a:r>
+              <a:rPr>
+                <a:hlinkClick r:id="rId3" invalidUrl="" action="" tgtFrame="" tooltip="" history="1" highlightClick="0" endSnd="0"/>
+              </a:rPr>
+              <a:t>https://tools.ietf.org/html/draft-trammell-spud-req-01</a:t>
+            </a:r>
+            <a:r>
+              <a:rPr u="none">
+                <a:solidFill>
+                  <a:srgbClr val="000000"/>
+                </a:solidFill>
+                <a:uFill>
+                  <a:solidFill>
+                    <a:srgbClr val="000000"/>
+                  </a:solidFill>
+                </a:uFill>
+              </a:rPr>
+              <a:t> </a:t>
+            </a:r>
+          </a:p>
+          <a:p>
+            <a:pPr lvl="1" marL="676084" indent="-372045" defTabSz="1088136">
+              <a:spcBef>
+                <a:spcPts val="500"/>
+              </a:spcBef>
+              <a:defRPr sz="2300" u="sng">
+                <a:solidFill>
+                  <a:srgbClr val="0000FF"/>
+                </a:solidFill>
+                <a:uFill>
+                  <a:solidFill>
+                    <a:srgbClr val="0000FF"/>
+                  </a:solidFill>
+                </a:uFill>
+              </a:defRPr>
+            </a:pPr>
+            <a:r>
+              <a:rPr>
+                <a:hlinkClick r:id="rId4" invalidUrl="" action="" tgtFrame="" tooltip="" history="1" highlightClick="0" endSnd="0"/>
+              </a:rPr>
+              <a:t>https://</a:t>
+            </a:r>
+            <a:r>
+              <a:rPr>
+                <a:hlinkClick r:id="rId4" invalidUrl="" action="" tgtFrame="" tooltip="" history="1" highlightClick="0" endSnd="0"/>
+              </a:rPr>
+              <a:t>tools.ietf.org/html/draft-trammell-stackevo-explicit-coop-00</a:t>
+            </a:r>
+            <a:r>
+              <a:rPr u="none">
+                <a:solidFill>
+                  <a:srgbClr val="000000"/>
+                </a:solidFill>
+                <a:uFill>
+                  <a:solidFill>
+                    <a:srgbClr val="000000"/>
+                  </a:solidFill>
+                </a:uFill>
+              </a:rPr>
+              <a:t> </a:t>
+            </a:r>
+            <a:endParaRPr sz="2400"/>
+          </a:p>
+          <a:p>
+            <a:pPr lvl="1" marL="730756" indent="-426719" defTabSz="1088136">
+              <a:spcBef>
+                <a:spcPts val="500"/>
+              </a:spcBef>
+              <a:defRPr sz="2300"/>
+            </a:pPr>
+            <a:r>
+              <a:t>The use cases and requirements documents are to be updated in the next weeks (before the IETF cut-off on Mar 28)</a:t>
+            </a:r>
+          </a:p>
+        </p:txBody>
+      </p:sp>
+      <p:sp>
+        <p:nvSpPr>
+          <p:cNvPr id="163" name="Shape 163"/>
           <p:cNvSpPr/>
           <p:nvPr/>
         </p:nvSpPr>
         <p:spPr>
           <a:xfrm>
-            <a:off x="2010036" y="9148030"/>
-            <a:ext cx="1260002" cy="314352"/>
+            <a:off x="2010035" y="9148029"/>
+            <a:ext cx="1260004" cy="314350"/>
           </a:xfrm>
           <a:prstGeom prst="rect">
             <a:avLst/>
@@ -5887,7 +5826,7 @@
           </a:extLst>
         </p:spPr>
         <p:txBody>
-          <a:bodyPr lIns="45719" rIns="45719" anchor="ctr">
+          <a:bodyPr lIns="45718" tIns="45718" rIns="45718" bIns="45718" anchor="ctr">
             <a:spAutoFit/>
           </a:bodyPr>
           <a:lstStyle>
@@ -5896,29 +5835,33 @@
                 <a:solidFill>
                   <a:srgbClr val="686F76"/>
                 </a:solidFill>
+                <a:latin typeface="Helvetica Neue"/>
+                <a:ea typeface="Helvetica Neue"/>
+                <a:cs typeface="Helvetica Neue"/>
+                <a:sym typeface="Helvetica Neue"/>
               </a:defRPr>
             </a:lvl1pPr>
           </a:lstStyle>
           <a:p>
             <a:pPr/>
             <a:r>
-              <a:t>3/1/2016</a:t>
+              <a:t>3/2/2016</a:t>
             </a:r>
           </a:p>
         </p:txBody>
       </p:sp>
       <p:sp>
         <p:nvSpPr>
-          <p:cNvPr id="166" name="Shape 166"/>
+          <p:cNvPr id="164" name="Shape 164"/>
           <p:cNvSpPr/>
           <p:nvPr>
-            <p:ph type="sldNum" sz="quarter" idx="2"/>
+            <p:ph type="sldNum" sz="quarter" idx="4294967295"/>
           </p:nvPr>
         </p:nvSpPr>
         <p:spPr>
           <a:xfrm>
-            <a:off x="12025769" y="9148030"/>
-            <a:ext cx="217120" cy="314352"/>
+            <a:off x="12025769" y="9148029"/>
+            <a:ext cx="217118" cy="314350"/>
           </a:xfrm>
           <a:prstGeom prst="rect">
             <a:avLst/>
@@ -5966,44 +5909,16 @@
       </p:grpSpPr>
       <p:sp>
         <p:nvSpPr>
-          <p:cNvPr id="168" name="Shape 168"/>
+          <p:cNvPr id="166" name="Shape 166"/>
           <p:cNvSpPr/>
           <p:nvPr>
             <p:ph type="title"/>
           </p:nvPr>
         </p:nvSpPr>
         <p:spPr>
-          <a:prstGeom prst="rect">
-            <a:avLst/>
-          </a:prstGeom>
-        </p:spPr>
-        <p:txBody>
-          <a:bodyPr/>
-          <a:lstStyle/>
-          <a:p>
-            <a:pPr defTabSz="867918">
-              <a:defRPr sz="2680"/>
-            </a:pPr>
-            <a:r>
-              <a:t>First Deliverable – M6</a:t>
-            </a:r>
-            <a:br/>
-            <a:br/>
-          </a:p>
-        </p:txBody>
-      </p:sp>
-      <p:sp>
-        <p:nvSpPr>
-          <p:cNvPr id="169" name="Shape 169"/>
-          <p:cNvSpPr/>
-          <p:nvPr>
-            <p:ph type="body" idx="1"/>
-          </p:nvPr>
-        </p:nvSpPr>
-        <p:spPr>
           <a:xfrm>
-            <a:off x="460586" y="2750972"/>
-            <a:ext cx="12052883" cy="6158079"/>
+            <a:off x="460586" y="908192"/>
+            <a:ext cx="9900003" cy="1382404"/>
           </a:xfrm>
           <a:prstGeom prst="rect">
             <a:avLst/>
@@ -6013,39 +5928,109 @@
           <a:bodyPr/>
           <a:lstStyle/>
           <a:p>
-            <a:pPr/>
-            <a:r>
-              <a:t>D3.1: The final outcome of T3.1 and interim reporting from T3.5</a:t>
-            </a:r>
-          </a:p>
-          <a:p>
-            <a:pPr lvl="1" marL="804862" indent="-442912">
-              <a:defRPr sz="3200"/>
+            <a:pPr defTabSz="676197">
+              <a:defRPr sz="2070"/>
             </a:pPr>
             <a:r>
-              <a:t>use cases and derived requirements for the protocol design of the MCP (T3.1)</a:t>
-            </a:r>
-          </a:p>
-          <a:p>
-            <a:pPr lvl="1" marL="804862" indent="-442912">
-              <a:defRPr sz="3200"/>
-            </a:pPr>
-            <a:r>
-              <a:t>base security requirements for designing MCP (T3.5)</a:t>
+              <a:rPr sz="3420"/>
+              <a:t>T3.5: Threat and Trust Analysis for </a:t>
+            </a:r>
+            <a:br>
+              <a:rPr sz="3420"/>
+            </a:br>
+            <a:r>
+              <a:rPr sz="3420"/>
+              <a:t>Middlebox Cooperation (M1 - M30)</a:t>
+            </a:r>
+            <a:br/>
+            <a:r>
+              <a:rPr b="0" i="1" sz="1440"/>
+              <a:t>Participants: TID, ALU, ZHAW</a:t>
             </a:r>
           </a:p>
         </p:txBody>
       </p:sp>
       <p:sp>
         <p:nvSpPr>
-          <p:cNvPr id="170" name="Shape 170"/>
+          <p:cNvPr id="167" name="Shape 167"/>
+          <p:cNvSpPr/>
+          <p:nvPr>
+            <p:ph type="body" idx="1"/>
+          </p:nvPr>
+        </p:nvSpPr>
+        <p:spPr>
+          <a:xfrm>
+            <a:off x="460586" y="2750971"/>
+            <a:ext cx="12052883" cy="6158081"/>
+          </a:xfrm>
+          <a:prstGeom prst="rect">
+            <a:avLst/>
+          </a:prstGeom>
+        </p:spPr>
+        <p:txBody>
+          <a:bodyPr/>
+          <a:lstStyle/>
+          <a:p>
+            <a:pPr/>
+            <a:r>
+              <a:t>Developing a threat model to investigate confidentiality, integrity, authentication and trust issues</a:t>
+            </a:r>
+          </a:p>
+          <a:p>
+            <a:pPr/>
+            <a:r>
+              <a:t>Exploring security mechanisms and their applicability:</a:t>
+            </a:r>
+          </a:p>
+          <a:p>
+            <a:pPr lvl="1" marL="804862" indent="-442912">
+              <a:defRPr sz="2800"/>
+            </a:pPr>
+            <a:r>
+              <a:t>EFGH – presented at Hot Middlebox 2015</a:t>
+            </a:r>
+          </a:p>
+          <a:p>
+            <a:pPr lvl="1" marL="804862" indent="-442912">
+              <a:defRPr sz="2800"/>
+            </a:pPr>
+            <a:r>
+              <a:t>Multi-Context TLS (mcTLS) – presented at Sigcomm 2015</a:t>
+            </a:r>
+            <a:endParaRPr sz="2600"/>
+          </a:p>
+          <a:p>
+            <a:pPr/>
+            <a:r>
+              <a:t>Providing input to D3.1 (M6)</a:t>
+            </a:r>
+          </a:p>
+          <a:p>
+            <a:pPr/>
+            <a:r>
+              <a:t>Later, producing a security analysis of MCP including an investigation of how hard it will be to subvert</a:t>
+            </a:r>
+          </a:p>
+          <a:p>
+            <a:pPr lvl="1" marL="869950" indent="-508000">
+              <a:defRPr sz="2800"/>
+            </a:pPr>
+            <a:r>
+              <a:t>Red team analysis of MCP and flexible transport layer (MS8)</a:t>
+            </a:r>
+          </a:p>
+        </p:txBody>
+      </p:sp>
+      <p:sp>
+        <p:nvSpPr>
+          <p:cNvPr id="168" name="Shape 168"/>
           <p:cNvSpPr/>
           <p:nvPr/>
         </p:nvSpPr>
         <p:spPr>
           <a:xfrm>
-            <a:off x="2010036" y="9148030"/>
-            <a:ext cx="1260002" cy="314352"/>
+            <a:off x="2010035" y="9148029"/>
+            <a:ext cx="1260004" cy="314350"/>
           </a:xfrm>
           <a:prstGeom prst="rect">
             <a:avLst/>
@@ -6060,7 +6045,7 @@
           </a:extLst>
         </p:spPr>
         <p:txBody>
-          <a:bodyPr lIns="45719" rIns="45719" anchor="ctr">
+          <a:bodyPr lIns="45718" tIns="45718" rIns="45718" bIns="45718" anchor="ctr">
             <a:spAutoFit/>
           </a:bodyPr>
           <a:lstStyle>
@@ -6069,6 +6054,10 @@
                 <a:solidFill>
                   <a:srgbClr val="686F76"/>
                 </a:solidFill>
+                <a:latin typeface="Helvetica Neue"/>
+                <a:ea typeface="Helvetica Neue"/>
+                <a:cs typeface="Helvetica Neue"/>
+                <a:sym typeface="Helvetica Neue"/>
               </a:defRPr>
             </a:lvl1pPr>
           </a:lstStyle>
@@ -6080,18 +6069,200 @@
           </a:p>
         </p:txBody>
       </p:sp>
+      <p:sp>
+        <p:nvSpPr>
+          <p:cNvPr id="169" name="Shape 169"/>
+          <p:cNvSpPr/>
+          <p:nvPr>
+            <p:ph type="sldNum" sz="quarter" idx="4294967295"/>
+          </p:nvPr>
+        </p:nvSpPr>
+        <p:spPr>
+          <a:xfrm>
+            <a:off x="12025769" y="9148029"/>
+            <a:ext cx="217118" cy="314350"/>
+          </a:xfrm>
+          <a:prstGeom prst="rect">
+            <a:avLst/>
+          </a:prstGeom>
+          <a:extLst>
+            <a:ext uri="{C572A759-6A51-4108-AA02-DFA0A04FC94B}">
+              <ma14:wrappingTextBoxFlag xmlns:ma14="http://schemas.microsoft.com/office/mac/drawingml/2011/main" val="1"/>
+            </a:ext>
+          </a:extLst>
+        </p:spPr>
+        <p:txBody>
+          <a:bodyPr/>
+          <a:lstStyle/>
+          <a:p>
+            <a:pPr/>
+            <a:fld id="{86CB4B4D-7CA3-9044-876B-883B54F8677D}" type="slidenum"/>
+          </a:p>
+        </p:txBody>
+      </p:sp>
+    </p:spTree>
+  </p:cSld>
+  <p:clrMapOvr>
+    <a:masterClrMapping/>
+  </p:clrMapOvr>
+  <p:transition xmlns:p14="http://schemas.microsoft.com/office/powerpoint/2010/main" spd="med" advClick="1" p14:dur="1000"/>
+</p:sld>
+</file>
+
+<file path=ppt/slides/slide5.xml><?xml version="1.0" encoding="utf-8"?>
+<p:sld xmlns:a="http://schemas.openxmlformats.org/drawingml/2006/main" xmlns:r="http://schemas.openxmlformats.org/officeDocument/2006/relationships" xmlns:p="http://schemas.openxmlformats.org/presentationml/2006/main" showMasterSp="1" showMasterPhAnim="1">
+  <p:cSld>
+    <p:spTree>
+      <p:nvGrpSpPr>
+        <p:cNvPr id="1" name=""/>
+        <p:cNvGrpSpPr/>
+        <p:nvPr/>
+      </p:nvGrpSpPr>
+      <p:grpSpPr>
+        <a:xfrm>
+          <a:off x="0" y="0"/>
+          <a:ext cx="0" cy="0"/>
+          <a:chOff x="0" y="0"/>
+          <a:chExt cx="0" cy="0"/>
+        </a:xfrm>
+      </p:grpSpPr>
       <p:sp>
         <p:nvSpPr>
           <p:cNvPr id="171" name="Shape 171"/>
           <p:cNvSpPr/>
           <p:nvPr>
-            <p:ph type="sldNum" sz="quarter" idx="2"/>
+            <p:ph type="title"/>
           </p:nvPr>
         </p:nvSpPr>
         <p:spPr>
           <a:xfrm>
-            <a:off x="12025769" y="9148030"/>
-            <a:ext cx="217120" cy="314352"/>
+            <a:off x="460586" y="908192"/>
+            <a:ext cx="9900003" cy="1382404"/>
+          </a:xfrm>
+          <a:prstGeom prst="rect">
+            <a:avLst/>
+          </a:prstGeom>
+        </p:spPr>
+        <p:txBody>
+          <a:bodyPr/>
+          <a:lstStyle/>
+          <a:p>
+            <a:pPr defTabSz="798484">
+              <a:defRPr sz="2392"/>
+            </a:pPr>
+            <a:r>
+              <a:rPr sz="3496"/>
+              <a:t>First Deliverable – M6</a:t>
+            </a:r>
+            <a:br/>
+            <a:br/>
+          </a:p>
+        </p:txBody>
+      </p:sp>
+      <p:sp>
+        <p:nvSpPr>
+          <p:cNvPr id="172" name="Shape 172"/>
+          <p:cNvSpPr/>
+          <p:nvPr>
+            <p:ph type="body" idx="1"/>
+          </p:nvPr>
+        </p:nvSpPr>
+        <p:spPr>
+          <a:xfrm>
+            <a:off x="460586" y="2750971"/>
+            <a:ext cx="12052883" cy="6158081"/>
+          </a:xfrm>
+          <a:prstGeom prst="rect">
+            <a:avLst/>
+          </a:prstGeom>
+        </p:spPr>
+        <p:txBody>
+          <a:bodyPr/>
+          <a:lstStyle/>
+          <a:p>
+            <a:pPr/>
+            <a:r>
+              <a:t>D3.1: The final outcome of T3.1 and interim reporting from T3.5</a:t>
+            </a:r>
+          </a:p>
+          <a:p>
+            <a:pPr lvl="1" marL="804862" indent="-442912">
+              <a:defRPr sz="3200"/>
+            </a:pPr>
+            <a:r>
+              <a:t>use cases and derived requirements for the protocol design of the MCP (T3.1)</a:t>
+            </a:r>
+          </a:p>
+          <a:p>
+            <a:pPr lvl="1" marL="804862" indent="-442912">
+              <a:defRPr sz="3200"/>
+            </a:pPr>
+            <a:r>
+              <a:t>base security requirements for designing MCP (T3.5)</a:t>
+            </a:r>
+          </a:p>
+        </p:txBody>
+      </p:sp>
+      <p:sp>
+        <p:nvSpPr>
+          <p:cNvPr id="173" name="Shape 173"/>
+          <p:cNvSpPr/>
+          <p:nvPr/>
+        </p:nvSpPr>
+        <p:spPr>
+          <a:xfrm>
+            <a:off x="2010035" y="9148029"/>
+            <a:ext cx="1260004" cy="314350"/>
+          </a:xfrm>
+          <a:prstGeom prst="rect">
+            <a:avLst/>
+          </a:prstGeom>
+          <a:ln w="12700">
+            <a:miter lim="400000"/>
+          </a:ln>
+          <a:extLst>
+            <a:ext uri="{C572A759-6A51-4108-AA02-DFA0A04FC94B}">
+              <ma14:wrappingTextBoxFlag xmlns:ma14="http://schemas.microsoft.com/office/mac/drawingml/2011/main" val="1"/>
+            </a:ext>
+          </a:extLst>
+        </p:spPr>
+        <p:txBody>
+          <a:bodyPr lIns="45718" tIns="45718" rIns="45718" bIns="45718" anchor="ctr">
+            <a:spAutoFit/>
+          </a:bodyPr>
+          <a:lstStyle>
+            <a:lvl1pPr>
+              <a:defRPr sz="1600">
+                <a:solidFill>
+                  <a:srgbClr val="686F76"/>
+                </a:solidFill>
+                <a:latin typeface="Helvetica Neue"/>
+                <a:ea typeface="Helvetica Neue"/>
+                <a:cs typeface="Helvetica Neue"/>
+                <a:sym typeface="Helvetica Neue"/>
+              </a:defRPr>
+            </a:lvl1pPr>
+          </a:lstStyle>
+          <a:p>
+            <a:pPr/>
+            <a:r>
+              <a:t>3/1/2016</a:t>
+            </a:r>
+          </a:p>
+        </p:txBody>
+      </p:sp>
+      <p:sp>
+        <p:nvSpPr>
+          <p:cNvPr id="174" name="Shape 174"/>
+          <p:cNvSpPr/>
+          <p:nvPr>
+            <p:ph type="sldNum" sz="quarter" idx="4294967295"/>
+          </p:nvPr>
+        </p:nvSpPr>
+        <p:spPr>
+          <a:xfrm>
+            <a:off x="12025769" y="9148029"/>
+            <a:ext cx="217118" cy="314350"/>
           </a:xfrm>
           <a:prstGeom prst="rect">
             <a:avLst/>
@@ -6163,14 +6334,14 @@
     </a:clrScheme>
     <a:fontScheme name="White">
       <a:majorFont>
+        <a:latin typeface="Arial"/>
+        <a:ea typeface="Arial"/>
+        <a:cs typeface="Arial"/>
+      </a:majorFont>
+      <a:minorFont>
         <a:latin typeface="Helvetica"/>
         <a:ea typeface="Helvetica"/>
         <a:cs typeface="Helvetica"/>
-      </a:majorFont>
-      <a:minorFont>
-        <a:latin typeface="Arial"/>
-        <a:ea typeface="Arial"/>
-        <a:cs typeface="Arial"/>
       </a:minorFont>
     </a:fontScheme>
     <a:fmtScheme name="White">
@@ -6355,10 +6526,10 @@
                 <a:srgbClr val="000000"/>
               </a:solidFill>
             </a:uFill>
-            <a:latin typeface="Helvetica Neue"/>
-            <a:ea typeface="Helvetica Neue"/>
-            <a:cs typeface="Helvetica Neue"/>
-            <a:sym typeface="Helvetica Neue"/>
+            <a:latin typeface="+mj-lt"/>
+            <a:ea typeface="+mj-ea"/>
+            <a:cs typeface="+mj-cs"/>
+            <a:sym typeface="Arial"/>
           </a:defRPr>
         </a:defPPr>
         <a:lvl1pPr marL="0" marR="0" indent="0" algn="l" defTabSz="914400" rtl="0" fontAlgn="auto" latinLnBrk="1" hangingPunct="0">
@@ -6930,10 +7101,10 @@
                 <a:srgbClr val="000000"/>
               </a:solidFill>
             </a:uFill>
-            <a:latin typeface="Helvetica Neue"/>
-            <a:ea typeface="Helvetica Neue"/>
-            <a:cs typeface="Helvetica Neue"/>
-            <a:sym typeface="Helvetica Neue"/>
+            <a:latin typeface="+mj-lt"/>
+            <a:ea typeface="+mj-ea"/>
+            <a:cs typeface="+mj-cs"/>
+            <a:sym typeface="Arial"/>
           </a:defRPr>
         </a:defPPr>
         <a:lvl1pPr marL="0" marR="0" indent="0" algn="l" defTabSz="914400" rtl="0" fontAlgn="auto" latinLnBrk="1" hangingPunct="0">
@@ -7225,14 +7396,14 @@
     </a:clrScheme>
     <a:fontScheme name="White">
       <a:majorFont>
+        <a:latin typeface="Arial"/>
+        <a:ea typeface="Arial"/>
+        <a:cs typeface="Arial"/>
+      </a:majorFont>
+      <a:minorFont>
         <a:latin typeface="Helvetica"/>
         <a:ea typeface="Helvetica"/>
         <a:cs typeface="Helvetica"/>
-      </a:majorFont>
-      <a:minorFont>
-        <a:latin typeface="Arial"/>
-        <a:ea typeface="Arial"/>
-        <a:cs typeface="Arial"/>
       </a:minorFont>
     </a:fontScheme>
     <a:fmtScheme name="White">
@@ -7417,10 +7588,10 @@
                 <a:srgbClr val="000000"/>
               </a:solidFill>
             </a:uFill>
-            <a:latin typeface="Helvetica Neue"/>
-            <a:ea typeface="Helvetica Neue"/>
-            <a:cs typeface="Helvetica Neue"/>
-            <a:sym typeface="Helvetica Neue"/>
+            <a:latin typeface="+mj-lt"/>
+            <a:ea typeface="+mj-ea"/>
+            <a:cs typeface="+mj-cs"/>
+            <a:sym typeface="Arial"/>
           </a:defRPr>
         </a:defPPr>
         <a:lvl1pPr marL="0" marR="0" indent="0" algn="l" defTabSz="914400" rtl="0" fontAlgn="auto" latinLnBrk="1" hangingPunct="0">
@@ -7992,10 +8163,10 @@
                 <a:srgbClr val="000000"/>
               </a:solidFill>
             </a:uFill>
-            <a:latin typeface="Helvetica Neue"/>
-            <a:ea typeface="Helvetica Neue"/>
-            <a:cs typeface="Helvetica Neue"/>
-            <a:sym typeface="Helvetica Neue"/>
+            <a:latin typeface="+mj-lt"/>
+            <a:ea typeface="+mj-ea"/>
+            <a:cs typeface="+mj-cs"/>
+            <a:sym typeface="Arial"/>
           </a:defRPr>
         </a:defPPr>
         <a:lvl1pPr marL="0" marR="0" indent="0" algn="l" defTabSz="914400" rtl="0" fontAlgn="auto" latinLnBrk="1" hangingPunct="0">

--- a/kickoff/wp3-eu-summary.pptx
+++ b/kickoff/wp3-eu-summary.pptx
@@ -12,7 +12,6 @@
     <p:sldId id="257" r:id="rId9"/>
     <p:sldId id="258" r:id="rId10"/>
     <p:sldId id="259" r:id="rId11"/>
-    <p:sldId id="260" r:id="rId12"/>
   </p:sldIdLst>
   <p:sldSz cx="13004800" cy="9753600"/>
   <p:notesSz cx="6858000" cy="9144000"/>
@@ -5472,74 +5471,6 @@
           </p:nvPr>
         </p:nvSpPr>
         <p:spPr>
-          <a:prstGeom prst="rect">
-            <a:avLst/>
-          </a:prstGeom>
-        </p:spPr>
-        <p:txBody>
-          <a:bodyPr/>
-          <a:lstStyle/>
-          <a:p>
-            <a:pPr/>
-          </a:p>
-        </p:txBody>
-      </p:sp>
-      <p:sp>
-        <p:nvSpPr>
-          <p:cNvPr id="159" name="Shape 159"/>
-          <p:cNvSpPr/>
-          <p:nvPr>
-            <p:ph type="body" idx="1"/>
-          </p:nvPr>
-        </p:nvSpPr>
-        <p:spPr>
-          <a:prstGeom prst="rect">
-            <a:avLst/>
-          </a:prstGeom>
-        </p:spPr>
-        <p:txBody>
-          <a:bodyPr/>
-          <a:lstStyle/>
-          <a:p>
-            <a:pPr/>
-          </a:p>
-        </p:txBody>
-      </p:sp>
-    </p:spTree>
-  </p:cSld>
-  <p:clrMapOvr>
-    <a:masterClrMapping/>
-  </p:clrMapOvr>
-  <p:transition xmlns:p14="http://schemas.microsoft.com/office/powerpoint/2010/main" spd="med" advClick="1" p14:dur="1000"/>
-</p:sld>
-</file>
-
-<file path=ppt/slides/slide3.xml><?xml version="1.0" encoding="utf-8"?>
-<p:sld xmlns:a="http://schemas.openxmlformats.org/drawingml/2006/main" xmlns:r="http://schemas.openxmlformats.org/officeDocument/2006/relationships" xmlns:p="http://schemas.openxmlformats.org/presentationml/2006/main" showMasterSp="1" showMasterPhAnim="1">
-  <p:cSld>
-    <p:spTree>
-      <p:nvGrpSpPr>
-        <p:cNvPr id="1" name=""/>
-        <p:cNvGrpSpPr/>
-        <p:nvPr/>
-      </p:nvGrpSpPr>
-      <p:grpSpPr>
-        <a:xfrm>
-          <a:off x="0" y="0"/>
-          <a:ext cx="0" cy="0"/>
-          <a:chOff x="0" y="0"/>
-          <a:chExt cx="0" cy="0"/>
-        </a:xfrm>
-      </p:grpSpPr>
-      <p:sp>
-        <p:nvSpPr>
-          <p:cNvPr id="161" name="Shape 161"/>
-          <p:cNvSpPr/>
-          <p:nvPr>
-            <p:ph type="title"/>
-          </p:nvPr>
-        </p:nvSpPr>
-        <p:spPr>
           <a:xfrm>
             <a:off x="460586" y="908192"/>
             <a:ext cx="9900003" cy="1382404"/>
@@ -5576,7 +5507,7 @@
       </p:sp>
       <p:sp>
         <p:nvSpPr>
-          <p:cNvPr id="162" name="Shape 162"/>
+          <p:cNvPr id="159" name="Shape 159"/>
           <p:cNvSpPr/>
           <p:nvPr>
             <p:ph type="body" idx="1"/>
@@ -5804,7 +5735,7 @@
       </p:sp>
       <p:sp>
         <p:nvSpPr>
-          <p:cNvPr id="163" name="Shape 163"/>
+          <p:cNvPr id="160" name="Shape 160"/>
           <p:cNvSpPr/>
           <p:nvPr/>
         </p:nvSpPr>
@@ -5852,7 +5783,7 @@
       </p:sp>
       <p:sp>
         <p:nvSpPr>
-          <p:cNvPr id="164" name="Shape 164"/>
+          <p:cNvPr id="161" name="Shape 161"/>
           <p:cNvSpPr/>
           <p:nvPr>
             <p:ph type="sldNum" sz="quarter" idx="4294967295"/>
@@ -5890,7 +5821,7 @@
 </p:sld>
 </file>
 
-<file path=ppt/slides/slide4.xml><?xml version="1.0" encoding="utf-8"?>
+<file path=ppt/slides/slide3.xml><?xml version="1.0" encoding="utf-8"?>
 <p:sld xmlns:a="http://schemas.openxmlformats.org/drawingml/2006/main" xmlns:r="http://schemas.openxmlformats.org/officeDocument/2006/relationships" xmlns:p="http://schemas.openxmlformats.org/presentationml/2006/main" showMasterSp="1" showMasterPhAnim="1">
   <p:cSld>
     <p:spTree>
@@ -5909,7 +5840,7 @@
       </p:grpSpPr>
       <p:sp>
         <p:nvSpPr>
-          <p:cNvPr id="166" name="Shape 166"/>
+          <p:cNvPr id="163" name="Shape 163"/>
           <p:cNvSpPr/>
           <p:nvPr>
             <p:ph type="title"/>
@@ -5952,7 +5883,7 @@
       </p:sp>
       <p:sp>
         <p:nvSpPr>
-          <p:cNvPr id="167" name="Shape 167"/>
+          <p:cNvPr id="164" name="Shape 164"/>
           <p:cNvSpPr/>
           <p:nvPr>
             <p:ph type="body" idx="1"/>
@@ -6023,7 +5954,7 @@
       </p:sp>
       <p:sp>
         <p:nvSpPr>
-          <p:cNvPr id="168" name="Shape 168"/>
+          <p:cNvPr id="165" name="Shape 165"/>
           <p:cNvSpPr/>
           <p:nvPr/>
         </p:nvSpPr>
@@ -6071,7 +6002,7 @@
       </p:sp>
       <p:sp>
         <p:nvSpPr>
-          <p:cNvPr id="169" name="Shape 169"/>
+          <p:cNvPr id="166" name="Shape 166"/>
           <p:cNvSpPr/>
           <p:nvPr>
             <p:ph type="sldNum" sz="quarter" idx="4294967295"/>
@@ -6109,7 +6040,7 @@
 </p:sld>
 </file>
 
-<file path=ppt/slides/slide5.xml><?xml version="1.0" encoding="utf-8"?>
+<file path=ppt/slides/slide4.xml><?xml version="1.0" encoding="utf-8"?>
 <p:sld xmlns:a="http://schemas.openxmlformats.org/drawingml/2006/main" xmlns:r="http://schemas.openxmlformats.org/officeDocument/2006/relationships" xmlns:p="http://schemas.openxmlformats.org/presentationml/2006/main" showMasterSp="1" showMasterPhAnim="1">
   <p:cSld>
     <p:spTree>
@@ -6128,7 +6059,7 @@
       </p:grpSpPr>
       <p:sp>
         <p:nvSpPr>
-          <p:cNvPr id="171" name="Shape 171"/>
+          <p:cNvPr id="168" name="Shape 168"/>
           <p:cNvSpPr/>
           <p:nvPr>
             <p:ph type="title"/>
@@ -6161,7 +6092,7 @@
       </p:sp>
       <p:sp>
         <p:nvSpPr>
-          <p:cNvPr id="172" name="Shape 172"/>
+          <p:cNvPr id="169" name="Shape 169"/>
           <p:cNvSpPr/>
           <p:nvPr>
             <p:ph type="body" idx="1"/>
@@ -6205,7 +6136,7 @@
       </p:sp>
       <p:sp>
         <p:nvSpPr>
-          <p:cNvPr id="173" name="Shape 173"/>
+          <p:cNvPr id="170" name="Shape 170"/>
           <p:cNvSpPr/>
           <p:nvPr/>
         </p:nvSpPr>
@@ -6253,7 +6184,7 @@
       </p:sp>
       <p:sp>
         <p:nvSpPr>
-          <p:cNvPr id="174" name="Shape 174"/>
+          <p:cNvPr id="171" name="Shape 171"/>
           <p:cNvSpPr/>
           <p:nvPr>
             <p:ph type="sldNum" sz="quarter" idx="4294967295"/>
